--- a/Impact_of_COVID_ in_CA.pptx
+++ b/Impact_of_COVID_ in_CA.pptx
@@ -5,10 +5,10 @@
     <p:sldMasterId id="2147483648" r:id="rId4"/>
   </p:sldMasterIdLst>
   <p:notesMasterIdLst>
-    <p:notesMasterId r:id="rId13"/>
+    <p:notesMasterId r:id="rId14"/>
   </p:notesMasterIdLst>
   <p:handoutMasterIdLst>
-    <p:handoutMasterId r:id="rId14"/>
+    <p:handoutMasterId r:id="rId15"/>
   </p:handoutMasterIdLst>
   <p:sldIdLst>
     <p:sldId id="2448" r:id="rId5"/>
@@ -19,6 +19,7 @@
     <p:sldId id="2461" r:id="rId10"/>
     <p:sldId id="2462" r:id="rId11"/>
     <p:sldId id="2463" r:id="rId12"/>
+    <p:sldId id="2465" r:id="rId13"/>
   </p:sldIdLst>
   <p:sldSz cx="12192000" cy="6858000"/>
   <p:notesSz cx="6858000" cy="9144000"/>
@@ -144,8 +145,41 @@
 </p:presentation>
 </file>
 
+<file path=ppt/revisionInfo.xml><?xml version="1.0" encoding="utf-8"?>
+<p1510:revInfo xmlns:a="http://schemas.openxmlformats.org/drawingml/2006/main" xmlns:r="http://schemas.openxmlformats.org/officeDocument/2006/relationships" xmlns:p1510="http://schemas.microsoft.com/office/powerpoint/2015/10/main">
+  <p1510:revLst>
+    <p1510:client id="{00000000-0000-0000-0000-000000000000}" v="53" dt="2021-05-03T23:29:57.155"/>
+    <p1510:client id="{2D46BE2A-C014-4423-9FA4-21C7BBF4CFAF}" v="64" dt="2021-05-03T23:39:45.058"/>
+  </p1510:revLst>
+</p1510:revInfo>
+</file>
+
 <file path=ppt/changesInfos/changesInfo1.xml><?xml version="1.0" encoding="utf-8"?>
 <pc:chgInfo xmlns:a="http://schemas.openxmlformats.org/drawingml/2006/main" xmlns:r="http://schemas.openxmlformats.org/officeDocument/2006/relationships" xmlns:ac="http://schemas.microsoft.com/office/drawing/2013/main/command" xmlns:pc="http://schemas.microsoft.com/office/powerpoint/2013/main/command">
+  <pc:docChgLst>
+    <pc:chgData name="Guest User" userId="S::urn:spo:anon#c709dbca2b1b894a3344aac25651079cba8f85f0c9679aafaee72b3417a77e19::" providerId="AD" clId="Web-{00000000-0000-0000-0000-000000000000}"/>
+    <pc:docChg chg="modSld">
+      <pc:chgData name="Guest User" userId="S::urn:spo:anon#c709dbca2b1b894a3344aac25651079cba8f85f0c9679aafaee72b3417a77e19::" providerId="AD" clId="Web-{00000000-0000-0000-0000-000000000000}" dt="2021-05-03T23:29:57.155" v="28" actId="20577"/>
+      <pc:docMkLst>
+        <pc:docMk/>
+      </pc:docMkLst>
+      <pc:sldChg chg="modSp">
+        <pc:chgData name="Guest User" userId="S::urn:spo:anon#c709dbca2b1b894a3344aac25651079cba8f85f0c9679aafaee72b3417a77e19::" providerId="AD" clId="Web-{00000000-0000-0000-0000-000000000000}" dt="2021-05-03T23:29:57.155" v="28" actId="20577"/>
+        <pc:sldMkLst>
+          <pc:docMk/>
+          <pc:sldMk cId="2816635072" sldId="2461"/>
+        </pc:sldMkLst>
+        <pc:spChg chg="mod">
+          <ac:chgData name="Guest User" userId="S::urn:spo:anon#c709dbca2b1b894a3344aac25651079cba8f85f0c9679aafaee72b3417a77e19::" providerId="AD" clId="Web-{00000000-0000-0000-0000-000000000000}" dt="2021-05-03T23:29:57.155" v="28" actId="20577"/>
+          <ac:spMkLst>
+            <pc:docMk/>
+            <pc:sldMk cId="2816635072" sldId="2461"/>
+            <ac:spMk id="7" creationId="{6B4B7B6F-CC0C-4B79-ACDA-63ECFFAAEFA3}"/>
+          </ac:spMkLst>
+        </pc:spChg>
+      </pc:sldChg>
+    </pc:docChg>
+  </pc:docChgLst>
   <pc:docChgLst>
     <pc:chgData name="Becky McLaughlin" userId="22c18926-2d0e-44c7-8695-0c321fdbed7a" providerId="ADAL" clId="{F100FB9D-F146-4859-9F1D-B3D3788ECC04}"/>
     <pc:docChg chg="">
@@ -210,6 +244,53 @@
       </pc:sldMasterChg>
     </pc:docChg>
   </pc:docChgLst>
+  <pc:docChgLst>
+    <pc:chgData name="Becky McLaughlin" userId="22c18926-2d0e-44c7-8695-0c321fdbed7a" providerId="ADAL" clId="{2D46BE2A-C014-4423-9FA4-21C7BBF4CFAF}"/>
+    <pc:docChg chg="undo redo custSel addSld modSld sldOrd">
+      <pc:chgData name="Becky McLaughlin" userId="22c18926-2d0e-44c7-8695-0c321fdbed7a" providerId="ADAL" clId="{2D46BE2A-C014-4423-9FA4-21C7BBF4CFAF}" dt="2021-05-03T23:39:45.058" v="312" actId="207"/>
+      <pc:docMkLst>
+        <pc:docMk/>
+      </pc:docMkLst>
+      <pc:sldChg chg="modSp mod">
+        <pc:chgData name="Becky McLaughlin" userId="22c18926-2d0e-44c7-8695-0c321fdbed7a" providerId="ADAL" clId="{2D46BE2A-C014-4423-9FA4-21C7BBF4CFAF}" dt="2021-05-03T23:33:09.550" v="259" actId="108"/>
+        <pc:sldMkLst>
+          <pc:docMk/>
+          <pc:sldMk cId="2816635072" sldId="2461"/>
+        </pc:sldMkLst>
+        <pc:spChg chg="mod">
+          <ac:chgData name="Becky McLaughlin" userId="22c18926-2d0e-44c7-8695-0c321fdbed7a" providerId="ADAL" clId="{2D46BE2A-C014-4423-9FA4-21C7BBF4CFAF}" dt="2021-05-03T23:33:09.550" v="259" actId="108"/>
+          <ac:spMkLst>
+            <pc:docMk/>
+            <pc:sldMk cId="2816635072" sldId="2461"/>
+            <ac:spMk id="7" creationId="{6B4B7B6F-CC0C-4B79-ACDA-63ECFFAAEFA3}"/>
+          </ac:spMkLst>
+        </pc:spChg>
+      </pc:sldChg>
+      <pc:sldChg chg="modSp add mod ord">
+        <pc:chgData name="Becky McLaughlin" userId="22c18926-2d0e-44c7-8695-0c321fdbed7a" providerId="ADAL" clId="{2D46BE2A-C014-4423-9FA4-21C7BBF4CFAF}" dt="2021-05-03T23:39:45.058" v="312" actId="207"/>
+        <pc:sldMkLst>
+          <pc:docMk/>
+          <pc:sldMk cId="1402963719" sldId="2465"/>
+        </pc:sldMkLst>
+        <pc:spChg chg="mod">
+          <ac:chgData name="Becky McLaughlin" userId="22c18926-2d0e-44c7-8695-0c321fdbed7a" providerId="ADAL" clId="{2D46BE2A-C014-4423-9FA4-21C7BBF4CFAF}" dt="2021-05-03T22:48:37.109" v="7" actId="20577"/>
+          <ac:spMkLst>
+            <pc:docMk/>
+            <pc:sldMk cId="1402963719" sldId="2465"/>
+            <ac:spMk id="6" creationId="{931F4477-07FA-4420-B3E7-4A0FBD4F9487}"/>
+          </ac:spMkLst>
+        </pc:spChg>
+        <pc:spChg chg="mod">
+          <ac:chgData name="Becky McLaughlin" userId="22c18926-2d0e-44c7-8695-0c321fdbed7a" providerId="ADAL" clId="{2D46BE2A-C014-4423-9FA4-21C7BBF4CFAF}" dt="2021-05-03T23:39:45.058" v="312" actId="207"/>
+          <ac:spMkLst>
+            <pc:docMk/>
+            <pc:sldMk cId="1402963719" sldId="2465"/>
+            <ac:spMk id="7" creationId="{6B4B7B6F-CC0C-4B79-ACDA-63ECFFAAEFA3}"/>
+          </ac:spMkLst>
+        </pc:spChg>
+      </pc:sldChg>
+    </pc:docChg>
+  </pc:docChgLst>
 </pc:chgInfo>
 </file>
 
@@ -307,7 +388,7 @@
           <a:p>
             <a:fld id="{966D5B4E-BF3E-3B45-A4BA-D6C3B92870D7}" type="datetimeFigureOut">
               <a:rPr lang="en-US" smtClean="0"/>
-              <a:t>5/1/2021</a:t>
+              <a:t>5/3/2021</a:t>
             </a:fld>
             <a:endParaRPr lang="en-US" dirty="0"/>
           </a:p>
@@ -484,7 +565,7 @@
           <a:p>
             <a:fld id="{F5A8621B-8C8E-49BA-8772-41D0FE75A082}" type="datetimeFigureOut">
               <a:rPr lang="en-US" smtClean="0"/>
-              <a:t>5/1/2021</a:t>
+              <a:t>5/3/2021</a:t>
             </a:fld>
             <a:endParaRPr lang="en-US" dirty="0"/>
           </a:p>
@@ -1173,6 +1254,90 @@
     <p:extLst>
       <p:ext uri="{BB962C8B-B14F-4D97-AF65-F5344CB8AC3E}">
         <p14:creationId xmlns:p14="http://schemas.microsoft.com/office/powerpoint/2010/main" val="3362283809"/>
+      </p:ext>
+    </p:extLst>
+  </p:cSld>
+  <p:clrMapOvr>
+    <a:masterClrMapping/>
+  </p:clrMapOvr>
+</p:notes>
+</file>
+
+<file path=ppt/notesSlides/notesSlide6.xml><?xml version="1.0" encoding="utf-8"?>
+<p:notes xmlns:a="http://schemas.openxmlformats.org/drawingml/2006/main" xmlns:r="http://schemas.openxmlformats.org/officeDocument/2006/relationships" xmlns:p="http://schemas.openxmlformats.org/presentationml/2006/main">
+  <p:cSld>
+    <p:spTree>
+      <p:nvGrpSpPr>
+        <p:cNvPr id="1" name=""/>
+        <p:cNvGrpSpPr/>
+        <p:nvPr/>
+      </p:nvGrpSpPr>
+      <p:grpSpPr>
+        <a:xfrm>
+          <a:off x="0" y="0"/>
+          <a:ext cx="0" cy="0"/>
+          <a:chOff x="0" y="0"/>
+          <a:chExt cx="0" cy="0"/>
+        </a:xfrm>
+      </p:grpSpPr>
+      <p:sp>
+        <p:nvSpPr>
+          <p:cNvPr id="2" name="Slide Image Placeholder 1"/>
+          <p:cNvSpPr>
+            <a:spLocks noGrp="1" noRot="1" noChangeAspect="1"/>
+          </p:cNvSpPr>
+          <p:nvPr>
+            <p:ph type="sldImg"/>
+          </p:nvPr>
+        </p:nvSpPr>
+        <p:spPr/>
+      </p:sp>
+      <p:sp>
+        <p:nvSpPr>
+          <p:cNvPr id="3" name="Notes Placeholder 2"/>
+          <p:cNvSpPr>
+            <a:spLocks noGrp="1"/>
+          </p:cNvSpPr>
+          <p:nvPr>
+            <p:ph type="body" idx="1"/>
+          </p:nvPr>
+        </p:nvSpPr>
+        <p:spPr/>
+        <p:txBody>
+          <a:bodyPr/>
+          <a:lstStyle/>
+          <a:p>
+            <a:endParaRPr lang="en-US" dirty="0"/>
+          </a:p>
+        </p:txBody>
+      </p:sp>
+      <p:sp>
+        <p:nvSpPr>
+          <p:cNvPr id="4" name="Slide Number Placeholder 3"/>
+          <p:cNvSpPr>
+            <a:spLocks noGrp="1"/>
+          </p:cNvSpPr>
+          <p:nvPr>
+            <p:ph type="sldNum" sz="quarter" idx="5"/>
+          </p:nvPr>
+        </p:nvSpPr>
+        <p:spPr/>
+        <p:txBody>
+          <a:bodyPr/>
+          <a:lstStyle/>
+          <a:p>
+            <a:fld id="{228B34ED-4CDD-41C9-90F7-D768D5559A6F}" type="slidenum">
+              <a:rPr lang="en-US" smtClean="0"/>
+              <a:t>9</a:t>
+            </a:fld>
+            <a:endParaRPr lang="en-US" dirty="0"/>
+          </a:p>
+        </p:txBody>
+      </p:sp>
+    </p:spTree>
+    <p:extLst>
+      <p:ext uri="{BB962C8B-B14F-4D97-AF65-F5344CB8AC3E}">
+        <p14:creationId xmlns:p14="http://schemas.microsoft.com/office/powerpoint/2010/main" val="3239573421"/>
       </p:ext>
     </p:extLst>
   </p:cSld>
@@ -6216,14 +6381,14 @@
         <p:spPr>
           <a:xfrm>
             <a:off x="387927" y="1653987"/>
-            <a:ext cx="6770255" cy="3742765"/>
+            <a:ext cx="6770255" cy="4101353"/>
           </a:xfrm>
           <a:prstGeom prst="rect">
             <a:avLst/>
           </a:prstGeom>
         </p:spPr>
         <p:txBody>
-          <a:bodyPr vert="horz" lIns="91440" tIns="45720" rIns="91440" bIns="45720" rtlCol="0">
+          <a:bodyPr vert="horz" lIns="91440" tIns="45720" rIns="91440" bIns="45720" rtlCol="0" anchor="t">
             <a:normAutofit/>
           </a:bodyPr>
           <a:lstStyle>
@@ -6403,28 +6568,33 @@
             </a:pPr>
             <a:r>
               <a:rPr lang="en-US" sz="1400" dirty="0">
-                <a:latin typeface="Calibri" panose="020F0502020204030204" pitchFamily="34" charset="0"/>
+                <a:latin typeface="Calibri"/>
                 <a:ea typeface="Calibri" panose="020F0502020204030204" pitchFamily="34" charset="0"/>
-                <a:cs typeface="Times New Roman" panose="02020603050405020304" pitchFamily="18" charset="0"/>
+                <a:cs typeface="Times New Roman"/>
               </a:rPr>
               <a:t>As individual contributors we struggled through the </a:t>
             </a:r>
             <a:r>
               <a:rPr lang="en-US" sz="1400" dirty="0" err="1">
-                <a:latin typeface="Calibri" panose="020F0502020204030204" pitchFamily="34" charset="0"/>
+                <a:latin typeface="Calibri"/>
                 <a:ea typeface="Calibri" panose="020F0502020204030204" pitchFamily="34" charset="0"/>
-                <a:cs typeface="Times New Roman" panose="02020603050405020304" pitchFamily="18" charset="0"/>
+                <a:cs typeface="Times New Roman"/>
               </a:rPr>
               <a:t>github</a:t>
             </a:r>
             <a:r>
               <a:rPr lang="en-US" sz="1400" dirty="0">
-                <a:latin typeface="Calibri" panose="020F0502020204030204" pitchFamily="34" charset="0"/>
+                <a:latin typeface="Calibri"/>
                 <a:ea typeface="Calibri" panose="020F0502020204030204" pitchFamily="34" charset="0"/>
-                <a:cs typeface="Times New Roman" panose="02020603050405020304" pitchFamily="18" charset="0"/>
+                <a:cs typeface="Times New Roman"/>
               </a:rPr>
-              <a:t> merging process.  Specifically, how to resolve conflicts on our individual terminals.  More guidance on this process would be helpful.  </a:t>
-            </a:r>
+              <a:t> merging process.  Specifically, how to resolve conflicts on our individual terminals.  More guidance on this process would be helpful.  </a:t>
+            </a:r>
+            <a:endParaRPr lang="en-US" sz="1400" dirty="0">
+              <a:latin typeface="Calibri"/>
+              <a:ea typeface="Calibri" panose="020F0502020204030204" pitchFamily="34" charset="0"/>
+              <a:cs typeface="Times New Roman" panose="02020603050405020304" pitchFamily="18" charset="0"/>
+            </a:endParaRPr>
           </a:p>
           <a:p>
             <a:pPr marL="342900" indent="-342900">
@@ -6456,12 +6626,17 @@
             </a:pPr>
             <a:r>
               <a:rPr lang="en-US" sz="1400" dirty="0">
-                <a:latin typeface="Calibri" panose="020F0502020204030204" pitchFamily="34" charset="0"/>
+                <a:latin typeface="Calibri"/>
                 <a:ea typeface="Calibri" panose="020F0502020204030204" pitchFamily="34" charset="0"/>
-                <a:cs typeface="Times New Roman" panose="02020603050405020304" pitchFamily="18" charset="0"/>
+                <a:cs typeface="Times New Roman"/>
               </a:rPr>
-              <a:t>Needed data to be more granular (e.g. zip codes).  Case data focused on county however some counties are geographically larger with smaller population count.  </a:t>
-            </a:r>
+              <a:t>Needed data to be more granular (e.g. zip codes).  Case data focused on county however some counties are geographically larger with smaller population count.  </a:t>
+            </a:r>
+            <a:endParaRPr lang="en-US" sz="1400" dirty="0">
+              <a:latin typeface="Calibri"/>
+              <a:ea typeface="Calibri" panose="020F0502020204030204" pitchFamily="34" charset="0"/>
+              <a:cs typeface="Times New Roman" panose="02020603050405020304" pitchFamily="18" charset="0"/>
+            </a:endParaRPr>
           </a:p>
           <a:p>
             <a:pPr marL="342900" indent="-342900">
@@ -6493,9 +6668,9 @@
             </a:pPr>
             <a:r>
               <a:rPr lang="en-US" sz="1400" dirty="0">
-                <a:latin typeface="Calibri" panose="020F0502020204030204" pitchFamily="34" charset="0"/>
+                <a:latin typeface="Calibri"/>
                 <a:ea typeface="Calibri" panose="020F0502020204030204" pitchFamily="34" charset="0"/>
-                <a:cs typeface="Times New Roman" panose="02020603050405020304" pitchFamily="18" charset="0"/>
+                <a:cs typeface="Times New Roman"/>
               </a:rPr>
               <a:t>Additional questions we’d would have liked to explore:</a:t>
             </a:r>
@@ -6511,9 +6686,9 @@
             </a:pPr>
             <a:r>
               <a:rPr lang="en-US" dirty="0">
-                <a:latin typeface="Calibri" panose="020F0502020204030204" pitchFamily="34" charset="0"/>
+                <a:latin typeface="Calibri"/>
                 <a:ea typeface="Calibri" panose="020F0502020204030204" pitchFamily="34" charset="0"/>
-                <a:cs typeface="Times New Roman" panose="02020603050405020304" pitchFamily="18" charset="0"/>
+                <a:cs typeface="Times New Roman"/>
               </a:rPr>
               <a:t>As we know vaccines played a role in case count decrease, what impact did other factors play into these decreases – increased restrictions, school closures, warmer weather, etc.</a:t>
             </a:r>
@@ -6529,10 +6704,63 @@
             </a:pPr>
             <a:r>
               <a:rPr lang="en-US" dirty="0">
-                <a:latin typeface="Calibri" panose="020F0502020204030204" pitchFamily="34" charset="0"/>
-                <a:cs typeface="Times New Roman" panose="02020603050405020304" pitchFamily="18" charset="0"/>
+                <a:latin typeface="Calibri"/>
+                <a:cs typeface="Times New Roman"/>
               </a:rPr>
               <a:t>Additional research to look into the population makeup of these counties to find greater correlations regarding college vs. non-college counties.</a:t>
+            </a:r>
+          </a:p>
+          <a:p>
+            <a:pPr marL="342900" indent="-342900">
+              <a:lnSpc>
+                <a:spcPct val="107000"/>
+              </a:lnSpc>
+              <a:spcBef>
+                <a:spcPts val="0"/>
+              </a:spcBef>
+              <a:buFont typeface="+mj-lt"/>
+              <a:buAutoNum type="arabicPeriod"/>
+            </a:pPr>
+            <a:r>
+              <a:rPr lang="en-US" sz="1400" dirty="0">
+                <a:latin typeface="Calibri"/>
+                <a:cs typeface="Times New Roman"/>
+              </a:rPr>
+              <a:t> Considerations when predicting  Covid-19 data:</a:t>
+            </a:r>
+          </a:p>
+          <a:p>
+            <a:pPr lvl="1">
+              <a:lnSpc>
+                <a:spcPct val="107000"/>
+              </a:lnSpc>
+              <a:spcBef>
+                <a:spcPts val="0"/>
+              </a:spcBef>
+            </a:pPr>
+            <a:r>
+              <a:rPr lang="en-US" dirty="0">
+                <a:latin typeface="Calibri"/>
+                <a:cs typeface="Times New Roman"/>
+              </a:rPr>
+              <a:t>Importance of current data.  Case rates quickly shift with vaccine demand, variants, and developing treatments.</a:t>
+            </a:r>
+          </a:p>
+          <a:p>
+            <a:pPr lvl="1">
+              <a:lnSpc>
+                <a:spcPct val="107000"/>
+              </a:lnSpc>
+              <a:spcBef>
+                <a:spcPts val="0"/>
+              </a:spcBef>
+            </a:pPr>
+            <a:r>
+              <a:rPr lang="en-US" dirty="0">
+                <a:latin typeface="Calibri"/>
+                <a:cs typeface="Times New Roman"/>
+              </a:rPr>
+              <a:t>Time series forecasting vs regression modelling.</a:t>
             </a:r>
           </a:p>
           <a:p>
@@ -7031,6 +7259,776 @@
     <p:extLst>
       <p:ext uri="{BB962C8B-B14F-4D97-AF65-F5344CB8AC3E}">
         <p14:creationId xmlns:p14="http://schemas.microsoft.com/office/powerpoint/2010/main" val="2838921647"/>
+      </p:ext>
+    </p:extLst>
+  </p:cSld>
+  <p:clrMapOvr>
+    <a:masterClrMapping/>
+  </p:clrMapOvr>
+</p:sld>
+</file>
+
+<file path=ppt/slides/slide9.xml><?xml version="1.0" encoding="utf-8"?>
+<p:sld xmlns:a="http://schemas.openxmlformats.org/drawingml/2006/main" xmlns:r="http://schemas.openxmlformats.org/officeDocument/2006/relationships" xmlns:p="http://schemas.openxmlformats.org/presentationml/2006/main">
+  <p:cSld>
+    <p:spTree>
+      <p:nvGrpSpPr>
+        <p:cNvPr id="1" name=""/>
+        <p:cNvGrpSpPr/>
+        <p:nvPr/>
+      </p:nvGrpSpPr>
+      <p:grpSpPr>
+        <a:xfrm>
+          <a:off x="0" y="0"/>
+          <a:ext cx="0" cy="0"/>
+          <a:chOff x="0" y="0"/>
+          <a:chExt cx="0" cy="0"/>
+        </a:xfrm>
+      </p:grpSpPr>
+      <p:sp>
+        <p:nvSpPr>
+          <p:cNvPr id="4" name="Slide Number Placeholder 3">
+            <a:extLst>
+              <a:ext uri="{FF2B5EF4-FFF2-40B4-BE49-F238E27FC236}">
+                <a16:creationId xmlns:a16="http://schemas.microsoft.com/office/drawing/2014/main" id="{A4BADA18-8F0E-4249-A144-6CB8259BA65B}"/>
+              </a:ext>
+            </a:extLst>
+          </p:cNvPr>
+          <p:cNvSpPr>
+            <a:spLocks noGrp="1"/>
+          </p:cNvSpPr>
+          <p:nvPr>
+            <p:ph type="sldNum" sz="quarter" idx="4"/>
+          </p:nvPr>
+        </p:nvSpPr>
+        <p:spPr/>
+        <p:txBody>
+          <a:bodyPr/>
+          <a:lstStyle/>
+          <a:p>
+            <a:fld id="{8C2E478F-E849-4A8C-AF1F-CBCC78A7CBFA}" type="slidenum">
+              <a:rPr lang="en-US" smtClean="0"/>
+              <a:t>9</a:t>
+            </a:fld>
+            <a:endParaRPr lang="en-US" dirty="0"/>
+          </a:p>
+        </p:txBody>
+      </p:sp>
+      <p:pic>
+        <p:nvPicPr>
+          <p:cNvPr id="14" name="Picture 13" descr="A picture containing cake, decorated, colorful, close&#10;&#10;Description automatically generated">
+            <a:extLst>
+              <a:ext uri="{FF2B5EF4-FFF2-40B4-BE49-F238E27FC236}">
+                <a16:creationId xmlns:a16="http://schemas.microsoft.com/office/drawing/2014/main" id="{AF93B509-9993-4686-857B-8CEAC80D51DF}"/>
+              </a:ext>
+            </a:extLst>
+          </p:cNvPr>
+          <p:cNvPicPr>
+            <a:picLocks noChangeAspect="1"/>
+          </p:cNvPicPr>
+          <p:nvPr/>
+        </p:nvPicPr>
+        <p:blipFill rotWithShape="1">
+          <a:blip r:embed="rId3">
+            <a:alphaModFix amt="80000"/>
+          </a:blip>
+          <a:srcRect t="19765" r="24524"/>
+          <a:stretch/>
+        </p:blipFill>
+        <p:spPr>
+          <a:xfrm>
+            <a:off x="8141787" y="0"/>
+            <a:ext cx="4050214" cy="4319996"/>
+          </a:xfrm>
+          <a:prstGeom prst="rect">
+            <a:avLst/>
+          </a:prstGeom>
+        </p:spPr>
+      </p:pic>
+      <p:sp>
+        <p:nvSpPr>
+          <p:cNvPr id="6" name="Text Placeholder 19">
+            <a:extLst>
+              <a:ext uri="{FF2B5EF4-FFF2-40B4-BE49-F238E27FC236}">
+                <a16:creationId xmlns:a16="http://schemas.microsoft.com/office/drawing/2014/main" id="{931F4477-07FA-4420-B3E7-4A0FBD4F9487}"/>
+              </a:ext>
+            </a:extLst>
+          </p:cNvPr>
+          <p:cNvSpPr txBox="1">
+            <a:spLocks/>
+          </p:cNvSpPr>
+          <p:nvPr/>
+        </p:nvSpPr>
+        <p:spPr>
+          <a:xfrm>
+            <a:off x="387927" y="379347"/>
+            <a:ext cx="6714837" cy="897173"/>
+          </a:xfrm>
+          <a:prstGeom prst="rect">
+            <a:avLst/>
+          </a:prstGeom>
+          <a:gradFill flip="none" rotWithShape="1">
+            <a:gsLst>
+              <a:gs pos="0">
+                <a:schemeClr val="accent5"/>
+              </a:gs>
+              <a:gs pos="100000">
+                <a:schemeClr val="accent2">
+                  <a:lumMod val="97000"/>
+                  <a:lumOff val="3000"/>
+                </a:schemeClr>
+              </a:gs>
+              <a:gs pos="50000">
+                <a:schemeClr val="accent1"/>
+              </a:gs>
+            </a:gsLst>
+            <a:path path="circle">
+              <a:fillToRect l="100000" t="100000"/>
+            </a:path>
+            <a:tileRect r="-100000" b="-100000"/>
+          </a:gradFill>
+          <a:ln w="12700" cap="flat" cmpd="sng" algn="ctr">
+            <a:noFill/>
+            <a:prstDash val="solid"/>
+            <a:miter lim="800000"/>
+          </a:ln>
+          <a:effectLst/>
+        </p:spPr>
+        <p:txBody>
+          <a:bodyPr vert="horz" lIns="91440" tIns="45720" rIns="91440" bIns="45720" rtlCol="0" anchor="ctr">
+            <a:noAutofit/>
+          </a:bodyPr>
+          <a:lstStyle>
+            <a:lvl1pPr marL="0" indent="0" algn="ctr" defTabSz="914400" rtl="0" eaLnBrk="1" latinLnBrk="0" hangingPunct="1">
+              <a:lnSpc>
+                <a:spcPct val="100000"/>
+              </a:lnSpc>
+              <a:spcBef>
+                <a:spcPts val="0"/>
+              </a:spcBef>
+              <a:buFont typeface="Arial" panose="020B0604020202020204" pitchFamily="34" charset="0"/>
+              <a:buNone/>
+              <a:defRPr lang="en-US" sz="1400" kern="1200" spc="300" baseline="0" dirty="0">
+                <a:solidFill>
+                  <a:schemeClr val="lt1"/>
+                </a:solidFill>
+                <a:latin typeface="+mn-lt"/>
+                <a:ea typeface="+mn-ea"/>
+                <a:cs typeface="+mn-cs"/>
+              </a:defRPr>
+            </a:lvl1pPr>
+            <a:lvl2pPr marL="685800" indent="-228600" algn="l" defTabSz="914400" rtl="0" eaLnBrk="1" latinLnBrk="0" hangingPunct="1">
+              <a:lnSpc>
+                <a:spcPct val="150000"/>
+              </a:lnSpc>
+              <a:spcBef>
+                <a:spcPts val="500"/>
+              </a:spcBef>
+              <a:buFont typeface="Arial" panose="020B0604020202020204" pitchFamily="34" charset="0"/>
+              <a:buChar char="•"/>
+              <a:defRPr sz="1400" kern="1200">
+                <a:solidFill>
+                  <a:schemeClr val="lt1"/>
+                </a:solidFill>
+                <a:latin typeface="+mn-lt"/>
+                <a:ea typeface="+mn-ea"/>
+                <a:cs typeface="+mn-cs"/>
+              </a:defRPr>
+            </a:lvl2pPr>
+            <a:lvl3pPr marL="1143000" indent="-228600" algn="l" defTabSz="914400" rtl="0" eaLnBrk="1" latinLnBrk="0" hangingPunct="1">
+              <a:lnSpc>
+                <a:spcPct val="150000"/>
+              </a:lnSpc>
+              <a:spcBef>
+                <a:spcPts val="500"/>
+              </a:spcBef>
+              <a:buFont typeface="Arial" panose="020B0604020202020204" pitchFamily="34" charset="0"/>
+              <a:buChar char="•"/>
+              <a:defRPr sz="1400" kern="1200">
+                <a:solidFill>
+                  <a:schemeClr val="lt1"/>
+                </a:solidFill>
+                <a:latin typeface="+mn-lt"/>
+                <a:ea typeface="+mn-ea"/>
+                <a:cs typeface="+mn-cs"/>
+              </a:defRPr>
+            </a:lvl3pPr>
+            <a:lvl4pPr marL="1600200" indent="-228600" algn="l" defTabSz="914400" rtl="0" eaLnBrk="1" latinLnBrk="0" hangingPunct="1">
+              <a:lnSpc>
+                <a:spcPct val="150000"/>
+              </a:lnSpc>
+              <a:spcBef>
+                <a:spcPts val="500"/>
+              </a:spcBef>
+              <a:buFont typeface="Arial" panose="020B0604020202020204" pitchFamily="34" charset="0"/>
+              <a:buChar char="•"/>
+              <a:defRPr sz="1200" kern="1200">
+                <a:solidFill>
+                  <a:schemeClr val="lt1"/>
+                </a:solidFill>
+                <a:latin typeface="+mn-lt"/>
+                <a:ea typeface="+mn-ea"/>
+                <a:cs typeface="+mn-cs"/>
+              </a:defRPr>
+            </a:lvl4pPr>
+            <a:lvl5pPr marL="2057400" indent="-228600" algn="l" defTabSz="914400" rtl="0" eaLnBrk="1" latinLnBrk="0" hangingPunct="1">
+              <a:lnSpc>
+                <a:spcPct val="150000"/>
+              </a:lnSpc>
+              <a:spcBef>
+                <a:spcPts val="500"/>
+              </a:spcBef>
+              <a:buFont typeface="Arial" panose="020B0604020202020204" pitchFamily="34" charset="0"/>
+              <a:buChar char="•"/>
+              <a:defRPr sz="1200" kern="1200">
+                <a:solidFill>
+                  <a:schemeClr val="lt1"/>
+                </a:solidFill>
+                <a:latin typeface="+mn-lt"/>
+                <a:ea typeface="+mn-ea"/>
+                <a:cs typeface="+mn-cs"/>
+              </a:defRPr>
+            </a:lvl5pPr>
+            <a:lvl6pPr marL="2514600" indent="-228600" algn="l" defTabSz="914400" rtl="0" eaLnBrk="1" latinLnBrk="0" hangingPunct="1">
+              <a:lnSpc>
+                <a:spcPct val="90000"/>
+              </a:lnSpc>
+              <a:spcBef>
+                <a:spcPts val="500"/>
+              </a:spcBef>
+              <a:buFont typeface="Arial" panose="020B0604020202020204" pitchFamily="34" charset="0"/>
+              <a:buChar char="•"/>
+              <a:defRPr sz="1800" kern="1200">
+                <a:solidFill>
+                  <a:schemeClr val="lt1"/>
+                </a:solidFill>
+                <a:latin typeface="+mn-lt"/>
+                <a:ea typeface="+mn-ea"/>
+                <a:cs typeface="+mn-cs"/>
+              </a:defRPr>
+            </a:lvl6pPr>
+            <a:lvl7pPr marL="2971800" indent="-228600" algn="l" defTabSz="914400" rtl="0" eaLnBrk="1" latinLnBrk="0" hangingPunct="1">
+              <a:lnSpc>
+                <a:spcPct val="90000"/>
+              </a:lnSpc>
+              <a:spcBef>
+                <a:spcPts val="500"/>
+              </a:spcBef>
+              <a:buFont typeface="Arial" panose="020B0604020202020204" pitchFamily="34" charset="0"/>
+              <a:buChar char="•"/>
+              <a:defRPr sz="1800" kern="1200">
+                <a:solidFill>
+                  <a:schemeClr val="lt1"/>
+                </a:solidFill>
+                <a:latin typeface="+mn-lt"/>
+                <a:ea typeface="+mn-ea"/>
+                <a:cs typeface="+mn-cs"/>
+              </a:defRPr>
+            </a:lvl7pPr>
+            <a:lvl8pPr marL="3429000" indent="-228600" algn="l" defTabSz="914400" rtl="0" eaLnBrk="1" latinLnBrk="0" hangingPunct="1">
+              <a:lnSpc>
+                <a:spcPct val="90000"/>
+              </a:lnSpc>
+              <a:spcBef>
+                <a:spcPts val="500"/>
+              </a:spcBef>
+              <a:buFont typeface="Arial" panose="020B0604020202020204" pitchFamily="34" charset="0"/>
+              <a:buChar char="•"/>
+              <a:defRPr sz="1800" kern="1200">
+                <a:solidFill>
+                  <a:schemeClr val="lt1"/>
+                </a:solidFill>
+                <a:latin typeface="+mn-lt"/>
+                <a:ea typeface="+mn-ea"/>
+                <a:cs typeface="+mn-cs"/>
+              </a:defRPr>
+            </a:lvl8pPr>
+            <a:lvl9pPr marL="3886200" indent="-228600" algn="l" defTabSz="914400" rtl="0" eaLnBrk="1" latinLnBrk="0" hangingPunct="1">
+              <a:lnSpc>
+                <a:spcPct val="90000"/>
+              </a:lnSpc>
+              <a:spcBef>
+                <a:spcPts val="500"/>
+              </a:spcBef>
+              <a:buFont typeface="Arial" panose="020B0604020202020204" pitchFamily="34" charset="0"/>
+              <a:buChar char="•"/>
+              <a:defRPr sz="1800" kern="1200">
+                <a:solidFill>
+                  <a:schemeClr val="lt1"/>
+                </a:solidFill>
+                <a:latin typeface="+mn-lt"/>
+                <a:ea typeface="+mn-ea"/>
+                <a:cs typeface="+mn-cs"/>
+              </a:defRPr>
+            </a:lvl9pPr>
+          </a:lstStyle>
+          <a:p>
+            <a:r>
+              <a:rPr lang="en-US" sz="4000" dirty="0"/>
+              <a:t>Sources</a:t>
+            </a:r>
+          </a:p>
+        </p:txBody>
+      </p:sp>
+      <p:sp>
+        <p:nvSpPr>
+          <p:cNvPr id="7" name="Content Placeholder 8">
+            <a:extLst>
+              <a:ext uri="{FF2B5EF4-FFF2-40B4-BE49-F238E27FC236}">
+                <a16:creationId xmlns:a16="http://schemas.microsoft.com/office/drawing/2014/main" id="{6B4B7B6F-CC0C-4B79-ACDA-63ECFFAAEFA3}"/>
+              </a:ext>
+            </a:extLst>
+          </p:cNvPr>
+          <p:cNvSpPr txBox="1">
+            <a:spLocks/>
+          </p:cNvSpPr>
+          <p:nvPr/>
+        </p:nvSpPr>
+        <p:spPr>
+          <a:xfrm>
+            <a:off x="387927" y="1653987"/>
+            <a:ext cx="6770255" cy="4506181"/>
+          </a:xfrm>
+          <a:prstGeom prst="rect">
+            <a:avLst/>
+          </a:prstGeom>
+        </p:spPr>
+        <p:txBody>
+          <a:bodyPr vert="horz" lIns="91440" tIns="45720" rIns="91440" bIns="45720" rtlCol="0">
+            <a:normAutofit fontScale="92500" lnSpcReduction="20000"/>
+          </a:bodyPr>
+          <a:lstStyle>
+            <a:lvl1pPr marL="228600" indent="-228600" algn="l" defTabSz="914400" rtl="0" eaLnBrk="1" latinLnBrk="0" hangingPunct="1">
+              <a:lnSpc>
+                <a:spcPct val="150000"/>
+              </a:lnSpc>
+              <a:spcBef>
+                <a:spcPts val="1000"/>
+              </a:spcBef>
+              <a:buFont typeface="Arial" panose="020B0604020202020204" pitchFamily="34" charset="0"/>
+              <a:buChar char="•"/>
+              <a:defRPr sz="1600" kern="1200">
+                <a:solidFill>
+                  <a:schemeClr val="tx1"/>
+                </a:solidFill>
+                <a:latin typeface="+mn-lt"/>
+                <a:ea typeface="+mn-ea"/>
+                <a:cs typeface="+mn-cs"/>
+              </a:defRPr>
+            </a:lvl1pPr>
+            <a:lvl2pPr marL="685800" indent="-228600" algn="l" defTabSz="914400" rtl="0" eaLnBrk="1" latinLnBrk="0" hangingPunct="1">
+              <a:lnSpc>
+                <a:spcPct val="150000"/>
+              </a:lnSpc>
+              <a:spcBef>
+                <a:spcPts val="500"/>
+              </a:spcBef>
+              <a:buFont typeface="Arial" panose="020B0604020202020204" pitchFamily="34" charset="0"/>
+              <a:buChar char="•"/>
+              <a:defRPr sz="1400" kern="1200">
+                <a:solidFill>
+                  <a:schemeClr val="tx1"/>
+                </a:solidFill>
+                <a:latin typeface="+mn-lt"/>
+                <a:ea typeface="+mn-ea"/>
+                <a:cs typeface="+mn-cs"/>
+              </a:defRPr>
+            </a:lvl2pPr>
+            <a:lvl3pPr marL="1143000" indent="-228600" algn="l" defTabSz="914400" rtl="0" eaLnBrk="1" latinLnBrk="0" hangingPunct="1">
+              <a:lnSpc>
+                <a:spcPct val="150000"/>
+              </a:lnSpc>
+              <a:spcBef>
+                <a:spcPts val="500"/>
+              </a:spcBef>
+              <a:buFont typeface="Arial" panose="020B0604020202020204" pitchFamily="34" charset="0"/>
+              <a:buChar char="•"/>
+              <a:defRPr sz="1400" kern="1200">
+                <a:solidFill>
+                  <a:schemeClr val="tx1"/>
+                </a:solidFill>
+                <a:latin typeface="+mn-lt"/>
+                <a:ea typeface="+mn-ea"/>
+                <a:cs typeface="+mn-cs"/>
+              </a:defRPr>
+            </a:lvl3pPr>
+            <a:lvl4pPr marL="1600200" indent="-228600" algn="l" defTabSz="914400" rtl="0" eaLnBrk="1" latinLnBrk="0" hangingPunct="1">
+              <a:lnSpc>
+                <a:spcPct val="150000"/>
+              </a:lnSpc>
+              <a:spcBef>
+                <a:spcPts val="500"/>
+              </a:spcBef>
+              <a:buFont typeface="Arial" panose="020B0604020202020204" pitchFamily="34" charset="0"/>
+              <a:buChar char="•"/>
+              <a:defRPr sz="1200" kern="1200">
+                <a:solidFill>
+                  <a:schemeClr val="tx1"/>
+                </a:solidFill>
+                <a:latin typeface="+mn-lt"/>
+                <a:ea typeface="+mn-ea"/>
+                <a:cs typeface="+mn-cs"/>
+              </a:defRPr>
+            </a:lvl4pPr>
+            <a:lvl5pPr marL="2057400" indent="-228600" algn="l" defTabSz="914400" rtl="0" eaLnBrk="1" latinLnBrk="0" hangingPunct="1">
+              <a:lnSpc>
+                <a:spcPct val="150000"/>
+              </a:lnSpc>
+              <a:spcBef>
+                <a:spcPts val="500"/>
+              </a:spcBef>
+              <a:buFont typeface="Arial" panose="020B0604020202020204" pitchFamily="34" charset="0"/>
+              <a:buChar char="•"/>
+              <a:defRPr sz="1200" kern="1200">
+                <a:solidFill>
+                  <a:schemeClr val="tx1"/>
+                </a:solidFill>
+                <a:latin typeface="+mn-lt"/>
+                <a:ea typeface="+mn-ea"/>
+                <a:cs typeface="+mn-cs"/>
+              </a:defRPr>
+            </a:lvl5pPr>
+            <a:lvl6pPr marL="2514600" indent="-228600" algn="l" defTabSz="914400" rtl="0" eaLnBrk="1" latinLnBrk="0" hangingPunct="1">
+              <a:lnSpc>
+                <a:spcPct val="90000"/>
+              </a:lnSpc>
+              <a:spcBef>
+                <a:spcPts val="500"/>
+              </a:spcBef>
+              <a:buFont typeface="Arial" panose="020B0604020202020204" pitchFamily="34" charset="0"/>
+              <a:buChar char="•"/>
+              <a:defRPr sz="1800" kern="1200">
+                <a:solidFill>
+                  <a:schemeClr val="tx1"/>
+                </a:solidFill>
+                <a:latin typeface="+mn-lt"/>
+                <a:ea typeface="+mn-ea"/>
+                <a:cs typeface="+mn-cs"/>
+              </a:defRPr>
+            </a:lvl6pPr>
+            <a:lvl7pPr marL="2971800" indent="-228600" algn="l" defTabSz="914400" rtl="0" eaLnBrk="1" latinLnBrk="0" hangingPunct="1">
+              <a:lnSpc>
+                <a:spcPct val="90000"/>
+              </a:lnSpc>
+              <a:spcBef>
+                <a:spcPts val="500"/>
+              </a:spcBef>
+              <a:buFont typeface="Arial" panose="020B0604020202020204" pitchFamily="34" charset="0"/>
+              <a:buChar char="•"/>
+              <a:defRPr sz="1800" kern="1200">
+                <a:solidFill>
+                  <a:schemeClr val="tx1"/>
+                </a:solidFill>
+                <a:latin typeface="+mn-lt"/>
+                <a:ea typeface="+mn-ea"/>
+                <a:cs typeface="+mn-cs"/>
+              </a:defRPr>
+            </a:lvl7pPr>
+            <a:lvl8pPr marL="3429000" indent="-228600" algn="l" defTabSz="914400" rtl="0" eaLnBrk="1" latinLnBrk="0" hangingPunct="1">
+              <a:lnSpc>
+                <a:spcPct val="90000"/>
+              </a:lnSpc>
+              <a:spcBef>
+                <a:spcPts val="500"/>
+              </a:spcBef>
+              <a:buFont typeface="Arial" panose="020B0604020202020204" pitchFamily="34" charset="0"/>
+              <a:buChar char="•"/>
+              <a:defRPr sz="1800" kern="1200">
+                <a:solidFill>
+                  <a:schemeClr val="tx1"/>
+                </a:solidFill>
+                <a:latin typeface="+mn-lt"/>
+                <a:ea typeface="+mn-ea"/>
+                <a:cs typeface="+mn-cs"/>
+              </a:defRPr>
+            </a:lvl8pPr>
+            <a:lvl9pPr marL="3886200" indent="-228600" algn="l" defTabSz="914400" rtl="0" eaLnBrk="1" latinLnBrk="0" hangingPunct="1">
+              <a:lnSpc>
+                <a:spcPct val="90000"/>
+              </a:lnSpc>
+              <a:spcBef>
+                <a:spcPts val="500"/>
+              </a:spcBef>
+              <a:buFont typeface="Arial" panose="020B0604020202020204" pitchFamily="34" charset="0"/>
+              <a:buChar char="•"/>
+              <a:defRPr sz="1800" kern="1200">
+                <a:solidFill>
+                  <a:schemeClr val="tx1"/>
+                </a:solidFill>
+                <a:latin typeface="+mn-lt"/>
+                <a:ea typeface="+mn-ea"/>
+                <a:cs typeface="+mn-cs"/>
+              </a:defRPr>
+            </a:lvl9pPr>
+          </a:lstStyle>
+          <a:p>
+            <a:pPr>
+              <a:lnSpc>
+                <a:spcPct val="107000"/>
+              </a:lnSpc>
+              <a:spcBef>
+                <a:spcPts val="0"/>
+              </a:spcBef>
+            </a:pPr>
+            <a:r>
+              <a:rPr lang="en-US" sz="1500" dirty="0">
+                <a:latin typeface="Calibri" panose="020F0502020204030204" pitchFamily="34" charset="0"/>
+                <a:cs typeface="Times New Roman" panose="02020603050405020304" pitchFamily="18" charset="0"/>
+              </a:rPr>
+              <a:t>COVID-19 Hospital Data. California Health and Human Services Open Data Portal. (2021). https://data.chhs.ca.gov/. </a:t>
+            </a:r>
+          </a:p>
+          <a:p>
+            <a:pPr>
+              <a:lnSpc>
+                <a:spcPct val="107000"/>
+              </a:lnSpc>
+              <a:spcBef>
+                <a:spcPts val="0"/>
+              </a:spcBef>
+            </a:pPr>
+            <a:endParaRPr lang="en-US" sz="1500" dirty="0">
+              <a:latin typeface="Calibri" panose="020F0502020204030204" pitchFamily="34" charset="0"/>
+              <a:cs typeface="Times New Roman" panose="02020603050405020304" pitchFamily="18" charset="0"/>
+            </a:endParaRPr>
+          </a:p>
+          <a:p>
+            <a:pPr>
+              <a:lnSpc>
+                <a:spcPct val="107000"/>
+              </a:lnSpc>
+              <a:spcBef>
+                <a:spcPts val="0"/>
+              </a:spcBef>
+            </a:pPr>
+            <a:r>
+              <a:rPr lang="en-US" sz="1500" dirty="0">
+                <a:latin typeface="Calibri" panose="020F0502020204030204" pitchFamily="34" charset="0"/>
+                <a:cs typeface="Times New Roman" panose="02020603050405020304" pitchFamily="18" charset="0"/>
+              </a:rPr>
+              <a:t>Google Geocoding API. Google. https://developers.google.com/maps/documentation/geocoding/overview.</a:t>
+            </a:r>
+          </a:p>
+          <a:p>
+            <a:pPr marL="0" indent="0">
+              <a:lnSpc>
+                <a:spcPct val="107000"/>
+              </a:lnSpc>
+              <a:spcBef>
+                <a:spcPts val="0"/>
+              </a:spcBef>
+              <a:buNone/>
+            </a:pPr>
+            <a:endParaRPr lang="en-US" sz="1500" dirty="0">
+              <a:latin typeface="Calibri" panose="020F0502020204030204" pitchFamily="34" charset="0"/>
+              <a:cs typeface="Times New Roman" panose="02020603050405020304" pitchFamily="18" charset="0"/>
+            </a:endParaRPr>
+          </a:p>
+          <a:p>
+            <a:pPr>
+              <a:lnSpc>
+                <a:spcPct val="107000"/>
+              </a:lnSpc>
+              <a:spcBef>
+                <a:spcPts val="0"/>
+              </a:spcBef>
+            </a:pPr>
+            <a:r>
+              <a:rPr lang="en-US" sz="1500" dirty="0">
+                <a:latin typeface="Calibri" panose="020F0502020204030204" pitchFamily="34" charset="0"/>
+                <a:cs typeface="Times New Roman" panose="02020603050405020304" pitchFamily="18" charset="0"/>
+              </a:rPr>
+              <a:t>Maps JavaScript API. Google. https://developers.google.com/maps/documentation/javascript/examples/layer-heatmap.</a:t>
+            </a:r>
+          </a:p>
+          <a:p>
+            <a:pPr>
+              <a:lnSpc>
+                <a:spcPct val="107000"/>
+              </a:lnSpc>
+              <a:spcBef>
+                <a:spcPts val="0"/>
+              </a:spcBef>
+            </a:pPr>
+            <a:endParaRPr lang="en-US" sz="1500" dirty="0">
+              <a:latin typeface="Calibri" panose="020F0502020204030204" pitchFamily="34" charset="0"/>
+              <a:cs typeface="Times New Roman" panose="02020603050405020304" pitchFamily="18" charset="0"/>
+            </a:endParaRPr>
+          </a:p>
+          <a:p>
+            <a:pPr>
+              <a:lnSpc>
+                <a:spcPct val="107000"/>
+              </a:lnSpc>
+              <a:spcBef>
+                <a:spcPts val="0"/>
+              </a:spcBef>
+            </a:pPr>
+            <a:r>
+              <a:rPr lang="en-US" sz="1500" dirty="0">
+                <a:latin typeface="Calibri" panose="020F0502020204030204" pitchFamily="34" charset="0"/>
+                <a:cs typeface="Times New Roman" panose="02020603050405020304" pitchFamily="18" charset="0"/>
+              </a:rPr>
+              <a:t>Statewide COVID-19 Vaccines Administered By County. California Health and Human Services Open Data Portal. (2021). https://data.chhs.ca.gov/. </a:t>
+            </a:r>
+          </a:p>
+          <a:p>
+            <a:pPr>
+              <a:lnSpc>
+                <a:spcPct val="107000"/>
+              </a:lnSpc>
+              <a:spcBef>
+                <a:spcPts val="0"/>
+              </a:spcBef>
+            </a:pPr>
+            <a:endParaRPr lang="en-US" sz="1500" dirty="0">
+              <a:latin typeface="Calibri" panose="020F0502020204030204" pitchFamily="34" charset="0"/>
+              <a:cs typeface="Times New Roman" panose="02020603050405020304" pitchFamily="18" charset="0"/>
+            </a:endParaRPr>
+          </a:p>
+          <a:p>
+            <a:pPr>
+              <a:lnSpc>
+                <a:spcPct val="107000"/>
+              </a:lnSpc>
+              <a:spcBef>
+                <a:spcPts val="0"/>
+              </a:spcBef>
+            </a:pPr>
+            <a:r>
+              <a:rPr lang="en-US" sz="1500" dirty="0">
+                <a:latin typeface="Calibri" panose="020F0502020204030204" pitchFamily="34" charset="0"/>
+                <a:cs typeface="Times New Roman" panose="02020603050405020304" pitchFamily="18" charset="0"/>
+              </a:rPr>
+              <a:t>Statewide COVID-19 Cases Deaths Tests. California Health and Human Services Open Data Portal. (2021). https://data.chhs.ca.gov/.</a:t>
+            </a:r>
+          </a:p>
+          <a:p>
+            <a:pPr>
+              <a:lnSpc>
+                <a:spcPct val="107000"/>
+              </a:lnSpc>
+              <a:spcBef>
+                <a:spcPts val="0"/>
+              </a:spcBef>
+            </a:pPr>
+            <a:endParaRPr lang="en-US" sz="1500" dirty="0">
+              <a:latin typeface="Calibri" panose="020F0502020204030204" pitchFamily="34" charset="0"/>
+              <a:cs typeface="Times New Roman" panose="02020603050405020304" pitchFamily="18" charset="0"/>
+            </a:endParaRPr>
+          </a:p>
+          <a:p>
+            <a:pPr>
+              <a:lnSpc>
+                <a:spcPct val="107000"/>
+              </a:lnSpc>
+              <a:spcBef>
+                <a:spcPts val="0"/>
+              </a:spcBef>
+            </a:pPr>
+            <a:r>
+              <a:rPr lang="en-US" sz="1500" dirty="0">
+                <a:latin typeface="Calibri" panose="020F0502020204030204" pitchFamily="34" charset="0"/>
+                <a:cs typeface="Times New Roman" panose="02020603050405020304" pitchFamily="18" charset="0"/>
+              </a:rPr>
+              <a:t>The United States Census Bureau. (2020, December 10). American Community Survey 5-Year Data (2009-2019). https://www.census.gov/data/developers/data-sets/acs-5year.html. Selected income characteristics for California zip </a:t>
+            </a:r>
+            <a:r>
+              <a:rPr lang="en-US" sz="1500" dirty="0" err="1">
+                <a:latin typeface="Calibri" panose="020F0502020204030204" pitchFamily="34" charset="0"/>
+                <a:cs typeface="Times New Roman" panose="02020603050405020304" pitchFamily="18" charset="0"/>
+              </a:rPr>
+              <a:t>codesvia</a:t>
+            </a:r>
+            <a:r>
+              <a:rPr lang="en-US" sz="1500" dirty="0">
+                <a:latin typeface="Calibri" panose="020F0502020204030204" pitchFamily="34" charset="0"/>
+                <a:cs typeface="Times New Roman" panose="02020603050405020304" pitchFamily="18" charset="0"/>
+              </a:rPr>
+              <a:t> API</a:t>
+            </a:r>
+          </a:p>
+          <a:p>
+            <a:pPr>
+              <a:lnSpc>
+                <a:spcPct val="107000"/>
+              </a:lnSpc>
+              <a:spcBef>
+                <a:spcPts val="0"/>
+              </a:spcBef>
+            </a:pPr>
+            <a:endParaRPr lang="en-US" sz="1500" dirty="0">
+              <a:latin typeface="Calibri" panose="020F0502020204030204" pitchFamily="34" charset="0"/>
+              <a:cs typeface="Times New Roman" panose="02020603050405020304" pitchFamily="18" charset="0"/>
+            </a:endParaRPr>
+          </a:p>
+          <a:p>
+            <a:pPr>
+              <a:lnSpc>
+                <a:spcPct val="107000"/>
+              </a:lnSpc>
+              <a:spcBef>
+                <a:spcPts val="0"/>
+              </a:spcBef>
+            </a:pPr>
+            <a:r>
+              <a:rPr lang="en-US" sz="1500" dirty="0">
+                <a:latin typeface="Calibri" panose="020F0502020204030204" pitchFamily="34" charset="0"/>
+                <a:cs typeface="Times New Roman" panose="02020603050405020304" pitchFamily="18" charset="0"/>
+              </a:rPr>
+              <a:t>COVID-19 graphic:</a:t>
+            </a:r>
+          </a:p>
+          <a:p>
+            <a:pPr marL="457200" lvl="1" indent="0">
+              <a:lnSpc>
+                <a:spcPct val="107000"/>
+              </a:lnSpc>
+              <a:spcBef>
+                <a:spcPts val="0"/>
+              </a:spcBef>
+              <a:buNone/>
+            </a:pPr>
+            <a:r>
+              <a:rPr lang="en-US" sz="1500" dirty="0">
+                <a:latin typeface="Calibri" panose="020F0502020204030204" pitchFamily="34" charset="0"/>
+                <a:cs typeface="Times New Roman" panose="02020603050405020304" pitchFamily="18" charset="0"/>
+                <a:hlinkClick r:id="rId4">
+                  <a:extLst>
+                    <a:ext uri="{A12FA001-AC4F-418D-AE19-62706E023703}">
+                      <ahyp:hlinkClr xmlns:ahyp="http://schemas.microsoft.com/office/drawing/2018/hyperlinkcolor" val="tx"/>
+                    </a:ext>
+                  </a:extLst>
+                </a:hlinkClick>
+              </a:rPr>
+              <a:t>https://en.wikipedia.org/wiki/COVID-19</a:t>
+            </a:r>
+            <a:endParaRPr lang="en-US" sz="1500" dirty="0">
+              <a:latin typeface="Calibri" panose="020F0502020204030204" pitchFamily="34" charset="0"/>
+              <a:cs typeface="Times New Roman" panose="02020603050405020304" pitchFamily="18" charset="0"/>
+            </a:endParaRPr>
+          </a:p>
+          <a:p>
+            <a:pPr marL="0" indent="0">
+              <a:lnSpc>
+                <a:spcPct val="107000"/>
+              </a:lnSpc>
+              <a:spcBef>
+                <a:spcPts val="0"/>
+              </a:spcBef>
+              <a:buNone/>
+            </a:pPr>
+            <a:endParaRPr lang="en-US" dirty="0">
+              <a:latin typeface="Calibri" panose="020F0502020204030204" pitchFamily="34" charset="0"/>
+              <a:cs typeface="Times New Roman" panose="02020603050405020304" pitchFamily="18" charset="0"/>
+            </a:endParaRPr>
+          </a:p>
+        </p:txBody>
+      </p:sp>
+    </p:spTree>
+    <p:extLst>
+      <p:ext uri="{BB962C8B-B14F-4D97-AF65-F5344CB8AC3E}">
+        <p14:creationId xmlns:p14="http://schemas.microsoft.com/office/powerpoint/2010/main" val="1402963719"/>
       </p:ext>
     </p:extLst>
   </p:cSld>
@@ -7926,24 +8924,6 @@
 </file>
 
 <file path=customXml/item1.xml><?xml version="1.0" encoding="utf-8"?>
-<?mso-contentType ?>
-<FormTemplates xmlns="http://schemas.microsoft.com/sharepoint/v3/contenttype/forms">
-  <Display>DocumentLibraryForm</Display>
-  <Edit>DocumentLibraryForm</Edit>
-  <New>DocumentLibraryForm</New>
-</FormTemplates>
-</file>
-
-<file path=customXml/item2.xml><?xml version="1.0" encoding="utf-8"?>
-<p:properties xmlns:p="http://schemas.microsoft.com/office/2006/metadata/properties" xmlns:xsi="http://www.w3.org/2001/XMLSchema-instance" xmlns:pc="http://schemas.microsoft.com/office/infopath/2007/PartnerControls">
-  <documentManagement>
-    <Status xmlns="71af3243-3dd4-4a8d-8c0d-dd76da1f02a5">Not started</Status>
-    <MediaServiceKeyPoints xmlns="71af3243-3dd4-4a8d-8c0d-dd76da1f02a5" xsi:nil="true"/>
-  </documentManagement>
-</p:properties>
-</file>
-
-<file path=customXml/item3.xml><?xml version="1.0" encoding="utf-8"?>
 <ct:contentTypeSchema xmlns:ct="http://schemas.microsoft.com/office/2006/metadata/contentType" xmlns:ma="http://schemas.microsoft.com/office/2006/metadata/properties/metaAttributes" ct:_="" ma:_="" ma:contentTypeName="Document" ma:contentTypeID="0x01010079F111ED35F8CC479449609E8A0923A6" ma:contentTypeVersion="12" ma:contentTypeDescription="Create a new document." ma:contentTypeScope="" ma:versionID="426e97fa315356fffbdcd9876fe988c2">
   <xsd:schema xmlns:xsd="http://www.w3.org/2001/XMLSchema" xmlns:xs="http://www.w3.org/2001/XMLSchema" xmlns:p="http://schemas.microsoft.com/office/2006/metadata/properties" xmlns:ns2="71af3243-3dd4-4a8d-8c0d-dd76da1f02a5" xmlns:ns3="16c05727-aa75-4e4a-9b5f-8a80a1165891" targetNamespace="http://schemas.microsoft.com/office/2006/metadata/properties" ma:root="true" ma:fieldsID="14b8f0def80e6d70ce3def20c90759ae" ns2:_="" ns3:_="">
     <xsd:import namespace="71af3243-3dd4-4a8d-8c0d-dd76da1f02a5"/>
@@ -8164,25 +9144,25 @@
 </ct:contentTypeSchema>
 </file>
 
-<file path=customXml/itemProps1.xml><?xml version="1.0" encoding="utf-8"?>
-<ds:datastoreItem xmlns:ds="http://schemas.openxmlformats.org/officeDocument/2006/customXml" ds:itemID="{1B7E2D32-4FDD-4266-880C-17595B801432}">
-  <ds:schemaRefs>
-    <ds:schemaRef ds:uri="http://schemas.microsoft.com/sharepoint/v3/contenttype/forms"/>
-  </ds:schemaRefs>
-</ds:datastoreItem>
+<file path=customXml/item2.xml><?xml version="1.0" encoding="utf-8"?>
+<p:properties xmlns:p="http://schemas.microsoft.com/office/2006/metadata/properties" xmlns:xsi="http://www.w3.org/2001/XMLSchema-instance" xmlns:pc="http://schemas.microsoft.com/office/infopath/2007/PartnerControls">
+  <documentManagement>
+    <Status xmlns="71af3243-3dd4-4a8d-8c0d-dd76da1f02a5">Not started</Status>
+    <MediaServiceKeyPoints xmlns="71af3243-3dd4-4a8d-8c0d-dd76da1f02a5" xsi:nil="true"/>
+  </documentManagement>
+</p:properties>
 </file>
 
-<file path=customXml/itemProps2.xml><?xml version="1.0" encoding="utf-8"?>
-<ds:datastoreItem xmlns:ds="http://schemas.openxmlformats.org/officeDocument/2006/customXml" ds:itemID="{E3D9F223-918A-45AF-9B53-56AB9E5E2182}">
-  <ds:schemaRefs>
-    <ds:schemaRef ds:uri="71af3243-3dd4-4a8d-8c0d-dd76da1f02a5"/>
-    <ds:schemaRef ds:uri="http://schemas.microsoft.com/office/2006/metadata/properties"/>
-    <ds:schemaRef ds:uri="http://schemas.microsoft.com/office/infopath/2007/PartnerControls"/>
-  </ds:schemaRefs>
-</ds:datastoreItem>
+<file path=customXml/item3.xml><?xml version="1.0" encoding="utf-8"?>
+<?mso-contentType ?>
+<FormTemplates xmlns="http://schemas.microsoft.com/sharepoint/v3/contenttype/forms">
+  <Display>DocumentLibraryForm</Display>
+  <Edit>DocumentLibraryForm</Edit>
+  <New>DocumentLibraryForm</New>
+</FormTemplates>
 </file>
 
-<file path=customXml/itemProps3.xml><?xml version="1.0" encoding="utf-8"?>
+<file path=customXml/itemProps1.xml><?xml version="1.0" encoding="utf-8"?>
 <ds:datastoreItem xmlns:ds="http://schemas.openxmlformats.org/officeDocument/2006/customXml" ds:itemID="{55BB9993-D5F9-46FA-B2E5-80E3632E9820}">
   <ds:schemaRefs>
     <ds:schemaRef ds:uri="16c05727-aa75-4e4a-9b5f-8a80a1165891"/>
@@ -8199,4 +9179,22 @@
     <ds:schemaRef ds:uri="http://www.w3.org/2001/XMLSchema"/>
   </ds:schemaRefs>
 </ds:datastoreItem>
+</file>
+
+<file path=customXml/itemProps2.xml><?xml version="1.0" encoding="utf-8"?>
+<ds:datastoreItem xmlns:ds="http://schemas.openxmlformats.org/officeDocument/2006/customXml" ds:itemID="{E3D9F223-918A-45AF-9B53-56AB9E5E2182}">
+  <ds:schemaRefs>
+    <ds:schemaRef ds:uri="71af3243-3dd4-4a8d-8c0d-dd76da1f02a5"/>
+    <ds:schemaRef ds:uri="http://schemas.microsoft.com/office/2006/metadata/properties"/>
+    <ds:schemaRef ds:uri="http://schemas.microsoft.com/office/infopath/2007/PartnerControls"/>
+  </ds:schemaRefs>
+</ds:datastoreItem>
+</file>
+
+<file path=customXml/itemProps3.xml><?xml version="1.0" encoding="utf-8"?>
+<ds:datastoreItem xmlns:ds="http://schemas.openxmlformats.org/officeDocument/2006/customXml" ds:itemID="{1B7E2D32-4FDD-4266-880C-17595B801432}">
+  <ds:schemaRefs>
+    <ds:schemaRef ds:uri="http://schemas.microsoft.com/sharepoint/v3/contenttype/forms"/>
+  </ds:schemaRefs>
+</ds:datastoreItem>
 </file>
--- a/Impact_of_COVID_ in_CA.pptx
+++ b/Impact_of_COVID_ in_CA.pptx
@@ -247,7 +247,7 @@
   <pc:docChgLst>
     <pc:chgData name="Becky McLaughlin" userId="22c18926-2d0e-44c7-8695-0c321fdbed7a" providerId="ADAL" clId="{2D46BE2A-C014-4423-9FA4-21C7BBF4CFAF}"/>
     <pc:docChg chg="undo redo custSel addSld modSld sldOrd">
-      <pc:chgData name="Becky McLaughlin" userId="22c18926-2d0e-44c7-8695-0c321fdbed7a" providerId="ADAL" clId="{2D46BE2A-C014-4423-9FA4-21C7BBF4CFAF}" dt="2021-05-03T23:39:45.058" v="312" actId="207"/>
+      <pc:chgData name="Becky McLaughlin" userId="22c18926-2d0e-44c7-8695-0c321fdbed7a" providerId="ADAL" clId="{2D46BE2A-C014-4423-9FA4-21C7BBF4CFAF}" dt="2021-05-04T00:59:38.659" v="339" actId="1076"/>
       <pc:docMkLst>
         <pc:docMk/>
       </pc:docMkLst>
@@ -267,7 +267,7 @@
         </pc:spChg>
       </pc:sldChg>
       <pc:sldChg chg="modSp add mod ord">
-        <pc:chgData name="Becky McLaughlin" userId="22c18926-2d0e-44c7-8695-0c321fdbed7a" providerId="ADAL" clId="{2D46BE2A-C014-4423-9FA4-21C7BBF4CFAF}" dt="2021-05-03T23:39:45.058" v="312" actId="207"/>
+        <pc:chgData name="Becky McLaughlin" userId="22c18926-2d0e-44c7-8695-0c321fdbed7a" providerId="ADAL" clId="{2D46BE2A-C014-4423-9FA4-21C7BBF4CFAF}" dt="2021-05-04T00:59:38.659" v="339" actId="1076"/>
         <pc:sldMkLst>
           <pc:docMk/>
           <pc:sldMk cId="1402963719" sldId="2465"/>
@@ -281,7 +281,7 @@
           </ac:spMkLst>
         </pc:spChg>
         <pc:spChg chg="mod">
-          <ac:chgData name="Becky McLaughlin" userId="22c18926-2d0e-44c7-8695-0c321fdbed7a" providerId="ADAL" clId="{2D46BE2A-C014-4423-9FA4-21C7BBF4CFAF}" dt="2021-05-03T23:39:45.058" v="312" actId="207"/>
+          <ac:chgData name="Becky McLaughlin" userId="22c18926-2d0e-44c7-8695-0c321fdbed7a" providerId="ADAL" clId="{2D46BE2A-C014-4423-9FA4-21C7BBF4CFAF}" dt="2021-05-04T00:59:38.659" v="339" actId="1076"/>
           <ac:spMkLst>
             <pc:docMk/>
             <pc:sldMk cId="1402963719" sldId="2465"/>
@@ -349,7 +349,7 @@
             </a:lvl1pPr>
           </a:lstStyle>
           <a:p>
-            <a:endParaRPr lang="en-US" dirty="0"/>
+            <a:endParaRPr lang="en-US"/>
           </a:p>
         </p:txBody>
       </p:sp>
@@ -390,7 +390,7 @@
               <a:rPr lang="en-US" smtClean="0"/>
               <a:t>5/3/2021</a:t>
             </a:fld>
-            <a:endParaRPr lang="en-US" dirty="0"/>
+            <a:endParaRPr lang="en-US"/>
           </a:p>
         </p:txBody>
       </p:sp>
@@ -427,7 +427,7 @@
             </a:lvl1pPr>
           </a:lstStyle>
           <a:p>
-            <a:endParaRPr lang="en-US" dirty="0"/>
+            <a:endParaRPr lang="en-US"/>
           </a:p>
         </p:txBody>
       </p:sp>
@@ -468,7 +468,7 @@
               <a:rPr lang="en-US" smtClean="0"/>
               <a:t>‹#›</a:t>
             </a:fld>
-            <a:endParaRPr lang="en-US" dirty="0"/>
+            <a:endParaRPr lang="en-US"/>
           </a:p>
         </p:txBody>
       </p:sp>
@@ -532,7 +532,7 @@
             </a:lvl1pPr>
           </a:lstStyle>
           <a:p>
-            <a:endParaRPr lang="en-US" dirty="0"/>
+            <a:endParaRPr lang="en-US"/>
           </a:p>
         </p:txBody>
       </p:sp>
@@ -567,7 +567,7 @@
               <a:rPr lang="en-US" smtClean="0"/>
               <a:t>5/3/2021</a:t>
             </a:fld>
-            <a:endParaRPr lang="en-US" dirty="0"/>
+            <a:endParaRPr lang="en-US"/>
           </a:p>
         </p:txBody>
       </p:sp>
@@ -600,7 +600,7 @@
           <a:bodyPr vert="horz" lIns="91440" tIns="45720" rIns="91440" bIns="45720" rtlCol="0" anchor="ctr"/>
           <a:lstStyle/>
           <a:p>
-            <a:endParaRPr lang="en-US" dirty="0"/>
+            <a:endParaRPr lang="en-US"/>
           </a:p>
         </p:txBody>
       </p:sp>
@@ -690,7 +690,7 @@
             </a:lvl1pPr>
           </a:lstStyle>
           <a:p>
-            <a:endParaRPr lang="en-US" dirty="0"/>
+            <a:endParaRPr lang="en-US"/>
           </a:p>
         </p:txBody>
       </p:sp>
@@ -725,7 +725,7 @@
               <a:rPr lang="en-US" smtClean="0"/>
               <a:t>‹#›</a:t>
             </a:fld>
-            <a:endParaRPr lang="en-US" dirty="0"/>
+            <a:endParaRPr lang="en-US"/>
           </a:p>
         </p:txBody>
       </p:sp>
@@ -876,7 +876,7 @@
           <a:bodyPr/>
           <a:lstStyle/>
           <a:p>
-            <a:endParaRPr lang="en-US" dirty="0"/>
+            <a:endParaRPr lang="en-US"/>
           </a:p>
         </p:txBody>
       </p:sp>
@@ -899,7 +899,7 @@
               <a:rPr lang="en-US" smtClean="0"/>
               <a:t>2</a:t>
             </a:fld>
-            <a:endParaRPr lang="en-US" dirty="0"/>
+            <a:endParaRPr lang="en-US"/>
           </a:p>
         </p:txBody>
       </p:sp>
@@ -960,7 +960,7 @@
           <a:bodyPr/>
           <a:lstStyle/>
           <a:p>
-            <a:endParaRPr lang="en-US" dirty="0"/>
+            <a:endParaRPr lang="en-US"/>
           </a:p>
         </p:txBody>
       </p:sp>
@@ -983,7 +983,7 @@
               <a:rPr lang="en-US" smtClean="0"/>
               <a:t>3</a:t>
             </a:fld>
-            <a:endParaRPr lang="en-US" dirty="0"/>
+            <a:endParaRPr lang="en-US"/>
           </a:p>
         </p:txBody>
       </p:sp>
@@ -1045,15 +1045,15 @@
           <a:lstStyle/>
           <a:p>
             <a:r>
-              <a:rPr lang="en-US" dirty="0"/>
+              <a:rPr lang="en-US"/>
               <a:t>Go to </a:t>
             </a:r>
             <a:r>
-              <a:rPr lang="en-US" dirty="0" err="1"/>
+              <a:rPr lang="en-US" err="1"/>
               <a:t>Jupyter</a:t>
             </a:r>
             <a:r>
-              <a:rPr lang="en-US" dirty="0"/>
+              <a:rPr lang="en-US"/>
               <a:t> Notebooks to discuss</a:t>
             </a:r>
           </a:p>
@@ -1078,7 +1078,7 @@
               <a:rPr lang="en-US" smtClean="0"/>
               <a:t>4</a:t>
             </a:fld>
-            <a:endParaRPr lang="en-US" dirty="0"/>
+            <a:endParaRPr lang="en-US"/>
           </a:p>
         </p:txBody>
       </p:sp>
@@ -1139,7 +1139,7 @@
           <a:bodyPr/>
           <a:lstStyle/>
           <a:p>
-            <a:endParaRPr lang="en-US" dirty="0"/>
+            <a:endParaRPr lang="en-US"/>
           </a:p>
         </p:txBody>
       </p:sp>
@@ -1162,7 +1162,7 @@
               <a:rPr lang="en-US" smtClean="0"/>
               <a:t>5</a:t>
             </a:fld>
-            <a:endParaRPr lang="en-US" dirty="0"/>
+            <a:endParaRPr lang="en-US"/>
           </a:p>
         </p:txBody>
       </p:sp>
@@ -1223,7 +1223,7 @@
           <a:bodyPr/>
           <a:lstStyle/>
           <a:p>
-            <a:endParaRPr lang="en-US" dirty="0"/>
+            <a:endParaRPr lang="en-US"/>
           </a:p>
         </p:txBody>
       </p:sp>
@@ -1246,7 +1246,7 @@
               <a:rPr lang="en-US" smtClean="0"/>
               <a:t>6</a:t>
             </a:fld>
-            <a:endParaRPr lang="en-US" dirty="0"/>
+            <a:endParaRPr lang="en-US"/>
           </a:p>
         </p:txBody>
       </p:sp>
@@ -1307,7 +1307,7 @@
           <a:bodyPr/>
           <a:lstStyle/>
           <a:p>
-            <a:endParaRPr lang="en-US" dirty="0"/>
+            <a:endParaRPr lang="en-US"/>
           </a:p>
         </p:txBody>
       </p:sp>
@@ -1330,7 +1330,7 @@
               <a:rPr lang="en-US" smtClean="0"/>
               <a:t>9</a:t>
             </a:fld>
-            <a:endParaRPr lang="en-US" dirty="0"/>
+            <a:endParaRPr lang="en-US"/>
           </a:p>
         </p:txBody>
       </p:sp>
@@ -1401,7 +1401,7 @@
           </a:lstStyle>
           <a:p>
             <a:r>
-              <a:rPr lang="en-US" dirty="0"/>
+              <a:rPr lang="en-US"/>
               <a:t>Click icon to add picture</a:t>
             </a:r>
           </a:p>
@@ -1450,7 +1450,7 @@
           <a:p>
             <a:pPr lvl="0"/>
             <a:r>
-              <a:rPr lang="en-US" dirty="0"/>
+              <a:rPr lang="en-US"/>
               <a:t>Click to edit Master text styles</a:t>
             </a:r>
           </a:p>
@@ -1495,7 +1495,7 @@
           </a:lstStyle>
           <a:p>
             <a:r>
-              <a:rPr lang="en-US" dirty="0"/>
+              <a:rPr lang="en-US"/>
               <a:t>Click to edit Master TEXT styles</a:t>
             </a:r>
           </a:p>
@@ -1937,7 +1937,7 @@
           <a:p>
             <a:pPr marL="0" lvl="0" algn="ctr"/>
             <a:r>
-              <a:rPr lang="en-US" dirty="0"/>
+              <a:rPr lang="en-US"/>
               <a:t>CLICK TO EDIT MASTER TEXT STYLES</a:t>
             </a:r>
           </a:p>
@@ -2012,7 +2012,6 @@
               <a:rPr lang="en-US"/>
               <a:t>Click icon to add picture</a:t>
             </a:r>
-            <a:endParaRPr lang="en-US" dirty="0"/>
           </a:p>
         </p:txBody>
       </p:sp>
@@ -2055,7 +2054,7 @@
           </a:lstStyle>
           <a:p>
             <a:r>
-              <a:rPr lang="en-US" dirty="0"/>
+              <a:rPr lang="en-US"/>
               <a:t>Title</a:t>
             </a:r>
           </a:p>
@@ -2083,7 +2082,7 @@
           <a:lstStyle/>
           <a:p>
             <a:r>
-              <a:rPr lang="en-US" dirty="0"/>
+              <a:rPr lang="en-US"/>
               <a:t>Add a footer</a:t>
             </a:r>
           </a:p>
@@ -2114,7 +2113,7 @@
               <a:rPr lang="en-US" smtClean="0"/>
               <a:t>‹#›</a:t>
             </a:fld>
-            <a:endParaRPr lang="en-US" dirty="0"/>
+            <a:endParaRPr lang="en-US"/>
           </a:p>
         </p:txBody>
       </p:sp>
@@ -2153,7 +2152,7 @@
           <a:p>
             <a:pPr lvl="0"/>
             <a:r>
-              <a:rPr lang="en-US" dirty="0"/>
+              <a:rPr lang="en-US"/>
               <a:t>CLICK TO EDIT MASTER TEXT STYLES</a:t>
             </a:r>
           </a:p>
@@ -2227,7 +2226,7 @@
           <a:lstStyle/>
           <a:p>
             <a:pPr algn="ctr"/>
-            <a:endParaRPr lang="en-US" dirty="0"/>
+            <a:endParaRPr lang="en-US"/>
           </a:p>
         </p:txBody>
       </p:sp>
@@ -2350,7 +2349,7 @@
           <a:p>
             <a:pPr marL="0" lvl="0" algn="ctr"/>
             <a:r>
-              <a:rPr lang="en-US" dirty="0"/>
+              <a:rPr lang="en-US"/>
               <a:t>CLICK TO EDIT MASTER TEXT STYLES</a:t>
             </a:r>
           </a:p>
@@ -2392,7 +2391,6 @@
               <a:rPr lang="en-US"/>
               <a:t>Click icon to add picture</a:t>
             </a:r>
-            <a:endParaRPr lang="en-US" dirty="0"/>
           </a:p>
         </p:txBody>
       </p:sp>
@@ -2439,7 +2437,7 @@
               <a:rPr lang="en-US" smtClean="0"/>
               <a:t>‹#›</a:t>
             </a:fld>
-            <a:endParaRPr lang="en-US" dirty="0"/>
+            <a:endParaRPr lang="en-US"/>
           </a:p>
         </p:txBody>
       </p:sp>
@@ -2482,7 +2480,7 @@
               <a:buNone/>
             </a:pPr>
             <a:r>
-              <a:rPr lang="en-US" sz="1600" dirty="0">
+              <a:rPr lang="en-US" sz="1600">
                 <a:cs typeface="Biome Light" panose="020B0303030204020804" pitchFamily="34" charset="0"/>
               </a:rPr>
               <a:t>Click to edit master text style.</a:t>
@@ -2492,7 +2490,7 @@
             <a:pPr marL="0" indent="0">
               <a:buNone/>
             </a:pPr>
-            <a:endParaRPr lang="en-US" dirty="0"/>
+            <a:endParaRPr lang="en-US"/>
           </a:p>
         </p:txBody>
       </p:sp>
@@ -2624,7 +2622,7 @@
               <a:pPr/>
               <a:t>‹#›</a:t>
             </a:fld>
-            <a:endParaRPr lang="en-US" dirty="0"/>
+            <a:endParaRPr lang="en-US"/>
           </a:p>
         </p:txBody>
       </p:sp>
@@ -2671,7 +2669,7 @@
           </a:lstStyle>
           <a:p>
             <a:r>
-              <a:rPr lang="en-US" dirty="0"/>
+              <a:rPr lang="en-US"/>
               <a:t>Click to edit Master title style</a:t>
             </a:r>
           </a:p>
@@ -2750,7 +2748,7 @@
           <a:p>
             <a:pPr algn="ctr"/>
             <a:r>
-              <a:rPr lang="en-US" sz="4800" dirty="0"/>
+              <a:rPr lang="en-US" sz="4800"/>
               <a:t>Click to edit Master title style</a:t>
             </a:r>
           </a:p>
@@ -2788,7 +2786,6 @@
               <a:rPr lang="en-US"/>
               <a:t>Click icon to add picture</a:t>
             </a:r>
-            <a:endParaRPr lang="en-US" dirty="0"/>
           </a:p>
         </p:txBody>
       </p:sp>
@@ -2824,7 +2821,6 @@
               <a:rPr lang="en-US"/>
               <a:t>Click icon to add picture</a:t>
             </a:r>
-            <a:endParaRPr lang="en-US" dirty="0"/>
           </a:p>
         </p:txBody>
       </p:sp>
@@ -3042,7 +3038,7 @@
               <a:rPr lang="en-US" smtClean="0"/>
               <a:t>‹#›</a:t>
             </a:fld>
-            <a:endParaRPr lang="en-US" dirty="0"/>
+            <a:endParaRPr lang="en-US"/>
           </a:p>
         </p:txBody>
       </p:sp>
@@ -3116,7 +3112,6 @@
               <a:rPr lang="en-US"/>
               <a:t>Click icon to add picture</a:t>
             </a:r>
-            <a:endParaRPr lang="en-US" dirty="0"/>
           </a:p>
         </p:txBody>
       </p:sp>
@@ -3152,7 +3147,6 @@
               <a:rPr lang="en-US" sz="4000" spc="300"/>
               <a:t>Click to edit Master title style</a:t>
             </a:r>
-            <a:endParaRPr lang="en-US" sz="4000" spc="300" dirty="0"/>
           </a:p>
         </p:txBody>
       </p:sp>
@@ -3217,7 +3211,7 @@
           <a:p>
             <a:pPr lvl="0"/>
             <a:r>
-              <a:rPr lang="en-US" dirty="0"/>
+              <a:rPr lang="en-US"/>
               <a:t>CLICK TO EDIT MASTER TEXT STYLES</a:t>
             </a:r>
           </a:p>
@@ -3266,7 +3260,7 @@
           <a:p>
             <a:pPr lvl="0"/>
             <a:r>
-              <a:rPr lang="en-US" dirty="0"/>
+              <a:rPr lang="en-US"/>
               <a:t>CLICK TO EDIT</a:t>
             </a:r>
           </a:p>
@@ -3315,7 +3309,7 @@
           <a:p>
             <a:pPr lvl="0"/>
             <a:r>
-              <a:rPr lang="en-US" dirty="0"/>
+              <a:rPr lang="en-US"/>
               <a:t>click to edit</a:t>
             </a:r>
           </a:p>
@@ -3364,7 +3358,7 @@
           <a:p>
             <a:pPr lvl="0"/>
             <a:r>
-              <a:rPr lang="en-US" dirty="0"/>
+              <a:rPr lang="en-US"/>
               <a:t>click to edit</a:t>
             </a:r>
           </a:p>
@@ -3404,7 +3398,7 @@
           </a:lstStyle>
           <a:p>
             <a:r>
-              <a:rPr lang="en-US" dirty="0"/>
+              <a:rPr lang="en-US"/>
               <a:t>Icon</a:t>
             </a:r>
           </a:p>
@@ -3444,7 +3438,7 @@
           </a:lstStyle>
           <a:p>
             <a:r>
-              <a:rPr lang="en-US" dirty="0"/>
+              <a:rPr lang="en-US"/>
               <a:t>Icon</a:t>
             </a:r>
           </a:p>
@@ -3484,7 +3478,7 @@
           </a:lstStyle>
           <a:p>
             <a:r>
-              <a:rPr lang="en-US" dirty="0"/>
+              <a:rPr lang="en-US"/>
               <a:t>Icon</a:t>
             </a:r>
           </a:p>
@@ -3560,7 +3554,6 @@
               <a:rPr lang="en-US"/>
               <a:t>Click to edit Master title style</a:t>
             </a:r>
-            <a:endParaRPr lang="en-US" dirty="0"/>
           </a:p>
         </p:txBody>
       </p:sp>
@@ -3628,7 +3621,6 @@
               <a:rPr lang="en-US"/>
               <a:t>Fifth level</a:t>
             </a:r>
-            <a:endParaRPr lang="en-US" dirty="0"/>
           </a:p>
         </p:txBody>
       </p:sp>
@@ -3672,7 +3664,7 @@
           </a:lstStyle>
           <a:p>
             <a:r>
-              <a:rPr lang="en-US" dirty="0"/>
+              <a:rPr lang="en-US"/>
               <a:t>Add a footer</a:t>
             </a:r>
           </a:p>
@@ -3721,7 +3713,7 @@
               <a:rPr lang="en-US" smtClean="0"/>
               <a:t>‹#›</a:t>
             </a:fld>
-            <a:endParaRPr lang="en-US" dirty="0"/>
+            <a:endParaRPr lang="en-US"/>
           </a:p>
         </p:txBody>
       </p:sp>
@@ -4076,7 +4068,7 @@
           <a:lstStyle/>
           <a:p>
             <a:r>
-              <a:rPr lang="en-US" dirty="0"/>
+              <a:rPr lang="en-US"/>
               <a:t>5/3/2021</a:t>
             </a:r>
           </a:p>
@@ -4285,7 +4277,7 @@
               <a:buNone/>
             </a:pPr>
             <a:r>
-              <a:rPr lang="en-US" sz="2000" u="sng" dirty="0"/>
+              <a:rPr lang="en-US" sz="2000" u="sng"/>
               <a:t>Group 8 Team Members:</a:t>
             </a:r>
           </a:p>
@@ -4300,13 +4292,13 @@
               <a:buNone/>
             </a:pPr>
             <a:r>
-              <a:rPr lang="en-US" sz="2000" dirty="0">
+              <a:rPr lang="en-US" sz="2000">
                 <a:ea typeface="+mn-lt"/>
                 <a:cs typeface="+mn-lt"/>
               </a:rPr>
               <a:t>Becky McLaughlin</a:t>
             </a:r>
-            <a:endParaRPr lang="en-US" dirty="0"/>
+            <a:endParaRPr lang="en-US"/>
           </a:p>
           <a:p>
             <a:pPr marL="0" indent="0" algn="ctr">
@@ -4319,10 +4311,10 @@
               <a:buNone/>
             </a:pPr>
             <a:r>
-              <a:rPr lang="en-US" sz="2000" dirty="0"/>
+              <a:rPr lang="en-US" sz="2000"/>
               <a:t>Danielle Martin</a:t>
             </a:r>
-            <a:endParaRPr lang="en-US" dirty="0"/>
+            <a:endParaRPr lang="en-US"/>
           </a:p>
           <a:p>
             <a:pPr marL="0" indent="0" algn="ctr">
@@ -4335,7 +4327,7 @@
               <a:buNone/>
             </a:pPr>
             <a:r>
-              <a:rPr lang="en-US" sz="2000" dirty="0"/>
+              <a:rPr lang="en-US" sz="2000"/>
               <a:t>Jonathan Tran</a:t>
             </a:r>
           </a:p>
@@ -4350,7 +4342,7 @@
               <a:buNone/>
             </a:pPr>
             <a:r>
-              <a:rPr lang="en-US" sz="2000" dirty="0"/>
+              <a:rPr lang="en-US" sz="2000"/>
               <a:t>Scott Schneider</a:t>
             </a:r>
           </a:p>
@@ -4364,7 +4356,7 @@
               </a:spcBef>
               <a:buNone/>
             </a:pPr>
-            <a:endParaRPr lang="en-US" sz="2000" dirty="0"/>
+            <a:endParaRPr lang="en-US" sz="2000"/>
           </a:p>
         </p:txBody>
       </p:sp>
@@ -4451,18 +4443,9 @@
           </a:lstStyle>
           <a:p>
             <a:r>
-              <a:rPr lang="en-US" sz="4000" dirty="0"/>
-              <a:t>COVID-19 VACCINES IN CALIFORNIA &amp; </a:t>
-            </a:r>
-            <a:r>
               <a:rPr lang="en-US" sz="4000"/>
-              <a:t>THEIR</a:t>
-            </a:r>
-            <a:r>
-              <a:rPr lang="en-US" sz="4000" dirty="0"/>
-              <a:t> IMPACTS</a:t>
-            </a:r>
-            <a:endParaRPr lang="en-US" sz="4000"/>
+              <a:t>COVID-19 VACCINES IN CALIFORNIA &amp; THEIR IMPACTS</a:t>
+            </a:r>
           </a:p>
         </p:txBody>
       </p:sp>
@@ -4525,51 +4508,51 @@
           <a:lstStyle/>
           <a:p>
             <a:r>
-              <a:rPr lang="en-US" dirty="0"/>
+              <a:rPr lang="en-US"/>
               <a:t>This project tracks the Covid-19 vaccines in California and how the introduction of these vaccines has impacted the number and severity of cases. </a:t>
             </a:r>
           </a:p>
           <a:p>
             <a:r>
-              <a:rPr lang="en-US" dirty="0"/>
+              <a:rPr lang="en-US"/>
               <a:t>We will look deeper into certain areas to determine if there are any surge causing counties or vaccine deserts in California. Finally, we will attempt to predict when California restrictions will ease by extrapolating the existing data. </a:t>
             </a:r>
-            <a:endParaRPr lang="en-US" dirty="0">
+            <a:endParaRPr lang="en-US">
               <a:cs typeface="Calibri"/>
             </a:endParaRPr>
           </a:p>
           <a:p>
             <a:r>
-              <a:rPr lang="en-US" dirty="0"/>
+              <a:rPr lang="en-US"/>
               <a:t>Hypothesis:</a:t>
             </a:r>
-            <a:endParaRPr lang="en-US" dirty="0">
+            <a:endParaRPr lang="en-US">
               <a:cs typeface="Calibri"/>
             </a:endParaRPr>
           </a:p>
           <a:p>
             <a:pPr lvl="1"/>
             <a:r>
-              <a:rPr lang="en-US" sz="1600" dirty="0"/>
+              <a:rPr lang="en-US" sz="1600"/>
               <a:t>Vaccines have directly impacted California’s case and death rates.</a:t>
             </a:r>
-            <a:endParaRPr lang="en-US" sz="1600" dirty="0">
+            <a:endParaRPr lang="en-US" sz="1600">
               <a:cs typeface="Calibri"/>
             </a:endParaRPr>
           </a:p>
           <a:p>
             <a:pPr lvl="1"/>
             <a:r>
-              <a:rPr lang="en-US" sz="1600" dirty="0"/>
+              <a:rPr lang="en-US" sz="1600"/>
               <a:t>College counties had an impact on Covid-19 surges in 2020.</a:t>
             </a:r>
           </a:p>
           <a:p>
             <a:pPr lvl="1"/>
-            <a:endParaRPr lang="en-US" sz="1800" dirty="0"/>
-          </a:p>
-          <a:p>
-            <a:endParaRPr lang="en-US" sz="2000" dirty="0"/>
+            <a:endParaRPr lang="en-US" sz="1800"/>
+          </a:p>
+          <a:p>
+            <a:endParaRPr lang="en-US" sz="2000"/>
           </a:p>
         </p:txBody>
       </p:sp>
@@ -4598,7 +4581,7 @@
               <a:rPr lang="en-US" smtClean="0"/>
               <a:t>2</a:t>
             </a:fld>
-            <a:endParaRPr lang="en-US" dirty="0"/>
+            <a:endParaRPr lang="en-US"/>
           </a:p>
         </p:txBody>
       </p:sp>
@@ -4660,7 +4643,7 @@
           <a:lstStyle/>
           <a:p>
             <a:r>
-              <a:rPr lang="en-US" sz="4000" dirty="0"/>
+              <a:rPr lang="en-US" sz="4000"/>
               <a:t>SUMMARY</a:t>
             </a:r>
           </a:p>
@@ -5126,7 +5109,7 @@
               <a:rPr lang="en-US" smtClean="0"/>
               <a:t>3</a:t>
             </a:fld>
-            <a:endParaRPr lang="en-US" dirty="0"/>
+            <a:endParaRPr lang="en-US"/>
           </a:p>
         </p:txBody>
       </p:sp>
@@ -5188,7 +5171,7 @@
           <a:lstStyle/>
           <a:p>
             <a:r>
-              <a:rPr lang="en-US" sz="4000" dirty="0"/>
+              <a:rPr lang="en-US" sz="4000"/>
               <a:t>Questions &amp; Data</a:t>
             </a:r>
           </a:p>
@@ -5249,7 +5232,7 @@
           <a:p>
             <a:pPr algn="ctr"/>
             <a:r>
-              <a:rPr lang="en-US" sz="4800" spc="300" dirty="0"/>
+              <a:rPr lang="en-US" sz="4800" spc="300"/>
               <a:t>Goals for q2</a:t>
             </a:r>
           </a:p>
@@ -5285,7 +5268,7 @@
           <a:p>
             <a:pPr algn="ctr"/>
             <a:r>
-              <a:rPr lang="en-US" spc="300" dirty="0">
+              <a:rPr lang="en-US" spc="300">
                 <a:solidFill>
                   <a:schemeClr val="tx1"/>
                 </a:solidFill>
@@ -5325,7 +5308,7 @@
           <a:p>
             <a:pPr algn="ctr"/>
             <a:r>
-              <a:rPr lang="en-US" spc="300" dirty="0">
+              <a:rPr lang="en-US" spc="300">
                 <a:solidFill>
                   <a:schemeClr val="tx1"/>
                 </a:solidFill>
@@ -5360,7 +5343,7 @@
               <a:rPr lang="en-US" smtClean="0"/>
               <a:t>4</a:t>
             </a:fld>
-            <a:endParaRPr lang="en-US" dirty="0"/>
+            <a:endParaRPr lang="en-US"/>
           </a:p>
         </p:txBody>
       </p:sp>
@@ -5591,7 +5574,7 @@
           </a:lstStyle>
           <a:p>
             <a:r>
-              <a:rPr lang="en-US" sz="4000" dirty="0"/>
+              <a:rPr lang="en-US" sz="4000"/>
               <a:t>Data analysis</a:t>
             </a:r>
           </a:p>
@@ -5726,7 +5709,7 @@
               <a:buAutoNum type="arabicPeriod"/>
             </a:pPr>
             <a:r>
-              <a:rPr lang="en-US" sz="1400" dirty="0">
+              <a:rPr lang="en-US" sz="1400">
                 <a:latin typeface="Calibri" panose="020F0502020204030204" pitchFamily="34" charset="0"/>
                 <a:ea typeface="Calibri" panose="020F0502020204030204" pitchFamily="34" charset="0"/>
                 <a:cs typeface="Times New Roman" panose="02020603050405020304" pitchFamily="18" charset="0"/>
@@ -5744,7 +5727,7 @@
               </a:spcBef>
             </a:pPr>
             <a:r>
-              <a:rPr lang="en-US" dirty="0">
+              <a:rPr lang="en-US">
                 <a:latin typeface="Calibri" panose="020F0502020204030204" pitchFamily="34" charset="0"/>
                 <a:ea typeface="Calibri" panose="020F0502020204030204" pitchFamily="34" charset="0"/>
                 <a:cs typeface="Times New Roman" panose="02020603050405020304" pitchFamily="18" charset="0"/>
@@ -5762,7 +5745,7 @@
               </a:spcBef>
             </a:pPr>
             <a:r>
-              <a:rPr lang="en-US" dirty="0">
+              <a:rPr lang="en-US">
                 <a:latin typeface="Calibri" panose="020F0502020204030204" pitchFamily="34" charset="0"/>
                 <a:ea typeface="Calibri" panose="020F0502020204030204" pitchFamily="34" charset="0"/>
                 <a:cs typeface="Times New Roman" panose="02020603050405020304" pitchFamily="18" charset="0"/>
@@ -5780,7 +5763,7 @@
               </a:spcBef>
             </a:pPr>
             <a:r>
-              <a:rPr lang="en-US" dirty="0">
+              <a:rPr lang="en-US">
                 <a:latin typeface="Calibri" panose="020F0502020204030204" pitchFamily="34" charset="0"/>
                 <a:ea typeface="Calibri" panose="020F0502020204030204" pitchFamily="34" charset="0"/>
                 <a:cs typeface="Times New Roman" panose="02020603050405020304" pitchFamily="18" charset="0"/>
@@ -5799,7 +5782,7 @@
               <a:buFont typeface="+mj-lt"/>
               <a:buAutoNum type="arabicPeriod"/>
             </a:pPr>
-            <a:endParaRPr lang="en-US" sz="1400" dirty="0">
+            <a:endParaRPr lang="en-US" sz="1400">
               <a:latin typeface="Calibri" panose="020F0502020204030204" pitchFamily="34" charset="0"/>
               <a:ea typeface="Calibri" panose="020F0502020204030204" pitchFamily="34" charset="0"/>
               <a:cs typeface="Times New Roman" panose="02020603050405020304" pitchFamily="18" charset="0"/>
@@ -5817,7 +5800,7 @@
               <a:buAutoNum type="arabicPeriod"/>
             </a:pPr>
             <a:r>
-              <a:rPr lang="en-US" sz="1400" dirty="0">
+              <a:rPr lang="en-US" sz="1400">
                 <a:latin typeface="Calibri" panose="020F0502020204030204" pitchFamily="34" charset="0"/>
                 <a:ea typeface="Calibri" panose="020F0502020204030204" pitchFamily="34" charset="0"/>
                 <a:cs typeface="Times New Roman" panose="02020603050405020304" pitchFamily="18" charset="0"/>
@@ -5835,7 +5818,7 @@
               </a:spcBef>
             </a:pPr>
             <a:r>
-              <a:rPr lang="en-US" dirty="0">
+              <a:rPr lang="en-US">
                 <a:latin typeface="Calibri" panose="020F0502020204030204" pitchFamily="34" charset="0"/>
                 <a:ea typeface="Calibri" panose="020F0502020204030204" pitchFamily="34" charset="0"/>
                 <a:cs typeface="Times New Roman" panose="02020603050405020304" pitchFamily="18" charset="0"/>
@@ -5853,7 +5836,7 @@
               </a:spcBef>
             </a:pPr>
             <a:r>
-              <a:rPr lang="en-US" dirty="0">
+              <a:rPr lang="en-US">
                 <a:latin typeface="Calibri" panose="020F0502020204030204" pitchFamily="34" charset="0"/>
                 <a:ea typeface="Calibri" panose="020F0502020204030204" pitchFamily="34" charset="0"/>
                 <a:cs typeface="Times New Roman" panose="02020603050405020304" pitchFamily="18" charset="0"/>
@@ -5872,7 +5855,7 @@
               <a:buFont typeface="+mj-lt"/>
               <a:buAutoNum type="arabicPeriod"/>
             </a:pPr>
-            <a:endParaRPr lang="en-US" sz="1300" dirty="0">
+            <a:endParaRPr lang="en-US" sz="1300">
               <a:latin typeface="Calibri" panose="020F0502020204030204" pitchFamily="34" charset="0"/>
               <a:ea typeface="Calibri" panose="020F0502020204030204" pitchFamily="34" charset="0"/>
               <a:cs typeface="Times New Roman" panose="02020603050405020304" pitchFamily="18" charset="0"/>
@@ -5887,7 +5870,7 @@
                 <a:spcPts val="0"/>
               </a:spcBef>
             </a:pPr>
-            <a:endParaRPr lang="en-US" sz="1100" dirty="0">
+            <a:endParaRPr lang="en-US" sz="1100">
               <a:effectLst/>
               <a:latin typeface="Calibri" panose="020F0502020204030204" pitchFamily="34" charset="0"/>
               <a:ea typeface="Calibri" panose="020F0502020204030204" pitchFamily="34" charset="0"/>
@@ -5921,7 +5904,7 @@
               <a:rPr lang="en-US" smtClean="0"/>
               <a:t>5</a:t>
             </a:fld>
-            <a:endParaRPr lang="en-US" dirty="0"/>
+            <a:endParaRPr lang="en-US"/>
           </a:p>
         </p:txBody>
       </p:sp>
@@ -5983,7 +5966,7 @@
           <a:lstStyle/>
           <a:p>
             <a:r>
-              <a:rPr lang="en-US" sz="4000" dirty="0"/>
+              <a:rPr lang="en-US" sz="4000"/>
               <a:t>Findings</a:t>
             </a:r>
           </a:p>
@@ -6104,7 +6087,7 @@
               <a:rPr lang="en-US" smtClean="0"/>
               <a:t>6</a:t>
             </a:fld>
-            <a:endParaRPr lang="en-US" dirty="0"/>
+            <a:endParaRPr lang="en-US"/>
           </a:p>
         </p:txBody>
       </p:sp>
@@ -6358,7 +6341,7 @@
           </a:lstStyle>
           <a:p>
             <a:r>
-              <a:rPr lang="en-US" sz="4000" dirty="0"/>
+              <a:rPr lang="en-US" sz="4000"/>
               <a:t>Post Mortem</a:t>
             </a:r>
           </a:p>
@@ -6567,7 +6550,7 @@
               <a:buAutoNum type="arabicPeriod"/>
             </a:pPr>
             <a:r>
-              <a:rPr lang="en-US" sz="1400" dirty="0">
+              <a:rPr lang="en-US" sz="1400">
                 <a:latin typeface="Calibri"/>
                 <a:ea typeface="Calibri" panose="020F0502020204030204" pitchFamily="34" charset="0"/>
                 <a:cs typeface="Times New Roman"/>
@@ -6575,7 +6558,7 @@
               <a:t>As individual contributors we struggled through the </a:t>
             </a:r>
             <a:r>
-              <a:rPr lang="en-US" sz="1400" dirty="0" err="1">
+              <a:rPr lang="en-US" sz="1400" err="1">
                 <a:latin typeface="Calibri"/>
                 <a:ea typeface="Calibri" panose="020F0502020204030204" pitchFamily="34" charset="0"/>
                 <a:cs typeface="Times New Roman"/>
@@ -6583,14 +6566,14 @@
               <a:t>github</a:t>
             </a:r>
             <a:r>
-              <a:rPr lang="en-US" sz="1400" dirty="0">
+              <a:rPr lang="en-US" sz="1400">
                 <a:latin typeface="Calibri"/>
                 <a:ea typeface="Calibri" panose="020F0502020204030204" pitchFamily="34" charset="0"/>
                 <a:cs typeface="Times New Roman"/>
               </a:rPr>
               <a:t> merging process.  Specifically, how to resolve conflicts on our individual terminals.  More guidance on this process would be helpful.  </a:t>
             </a:r>
-            <a:endParaRPr lang="en-US" sz="1400" dirty="0">
+            <a:endParaRPr lang="en-US" sz="1400">
               <a:latin typeface="Calibri"/>
               <a:ea typeface="Calibri" panose="020F0502020204030204" pitchFamily="34" charset="0"/>
               <a:cs typeface="Times New Roman" panose="02020603050405020304" pitchFamily="18" charset="0"/>
@@ -6607,7 +6590,7 @@
               <a:buFont typeface="+mj-lt"/>
               <a:buAutoNum type="arabicPeriod"/>
             </a:pPr>
-            <a:endParaRPr lang="en-US" sz="1400" dirty="0">
+            <a:endParaRPr lang="en-US" sz="1400">
               <a:latin typeface="Calibri" panose="020F0502020204030204" pitchFamily="34" charset="0"/>
               <a:ea typeface="Calibri" panose="020F0502020204030204" pitchFamily="34" charset="0"/>
               <a:cs typeface="Times New Roman" panose="02020603050405020304" pitchFamily="18" charset="0"/>
@@ -6625,14 +6608,14 @@
               <a:buAutoNum type="arabicPeriod"/>
             </a:pPr>
             <a:r>
-              <a:rPr lang="en-US" sz="1400" dirty="0">
+              <a:rPr lang="en-US" sz="1400">
                 <a:latin typeface="Calibri"/>
                 <a:ea typeface="Calibri" panose="020F0502020204030204" pitchFamily="34" charset="0"/>
                 <a:cs typeface="Times New Roman"/>
               </a:rPr>
               <a:t>Needed data to be more granular (e.g. zip codes).  Case data focused on county however some counties are geographically larger with smaller population count.  </a:t>
             </a:r>
-            <a:endParaRPr lang="en-US" sz="1400" dirty="0">
+            <a:endParaRPr lang="en-US" sz="1400">
               <a:latin typeface="Calibri"/>
               <a:ea typeface="Calibri" panose="020F0502020204030204" pitchFamily="34" charset="0"/>
               <a:cs typeface="Times New Roman" panose="02020603050405020304" pitchFamily="18" charset="0"/>
@@ -6649,7 +6632,7 @@
               <a:buFont typeface="+mj-lt"/>
               <a:buAutoNum type="arabicPeriod"/>
             </a:pPr>
-            <a:endParaRPr lang="en-US" sz="1400" dirty="0">
+            <a:endParaRPr lang="en-US" sz="1400">
               <a:latin typeface="Calibri" panose="020F0502020204030204" pitchFamily="34" charset="0"/>
               <a:ea typeface="Calibri" panose="020F0502020204030204" pitchFamily="34" charset="0"/>
               <a:cs typeface="Times New Roman" panose="02020603050405020304" pitchFamily="18" charset="0"/>
@@ -6667,7 +6650,7 @@
               <a:buAutoNum type="arabicPeriod"/>
             </a:pPr>
             <a:r>
-              <a:rPr lang="en-US" sz="1400" dirty="0">
+              <a:rPr lang="en-US" sz="1400">
                 <a:latin typeface="Calibri"/>
                 <a:ea typeface="Calibri" panose="020F0502020204030204" pitchFamily="34" charset="0"/>
                 <a:cs typeface="Times New Roman"/>
@@ -6685,7 +6668,7 @@
               </a:spcBef>
             </a:pPr>
             <a:r>
-              <a:rPr lang="en-US" dirty="0">
+              <a:rPr lang="en-US">
                 <a:latin typeface="Calibri"/>
                 <a:ea typeface="Calibri" panose="020F0502020204030204" pitchFamily="34" charset="0"/>
                 <a:cs typeface="Times New Roman"/>
@@ -6703,7 +6686,7 @@
               </a:spcBef>
             </a:pPr>
             <a:r>
-              <a:rPr lang="en-US" dirty="0">
+              <a:rPr lang="en-US">
                 <a:latin typeface="Calibri"/>
                 <a:cs typeface="Times New Roman"/>
               </a:rPr>
@@ -6722,7 +6705,7 @@
               <a:buAutoNum type="arabicPeriod"/>
             </a:pPr>
             <a:r>
-              <a:rPr lang="en-US" sz="1400" dirty="0">
+              <a:rPr lang="en-US" sz="1400">
                 <a:latin typeface="Calibri"/>
                 <a:cs typeface="Times New Roman"/>
               </a:rPr>
@@ -6739,7 +6722,7 @@
               </a:spcBef>
             </a:pPr>
             <a:r>
-              <a:rPr lang="en-US" dirty="0">
+              <a:rPr lang="en-US">
                 <a:latin typeface="Calibri"/>
                 <a:cs typeface="Times New Roman"/>
               </a:rPr>
@@ -6756,7 +6739,7 @@
               </a:spcBef>
             </a:pPr>
             <a:r>
-              <a:rPr lang="en-US" dirty="0">
+              <a:rPr lang="en-US">
                 <a:latin typeface="Calibri"/>
                 <a:cs typeface="Times New Roman"/>
               </a:rPr>
@@ -6772,7 +6755,7 @@
                 <a:spcPts val="0"/>
               </a:spcBef>
             </a:pPr>
-            <a:endParaRPr lang="en-US" sz="1100" dirty="0">
+            <a:endParaRPr lang="en-US" sz="1100">
               <a:latin typeface="Calibri" panose="020F0502020204030204" pitchFamily="34" charset="0"/>
               <a:cs typeface="Times New Roman" panose="02020603050405020304" pitchFamily="18" charset="0"/>
             </a:endParaRPr>
@@ -6786,7 +6769,7 @@
                 <a:spcPts val="0"/>
               </a:spcBef>
             </a:pPr>
-            <a:endParaRPr lang="en-US" sz="1100" dirty="0">
+            <a:endParaRPr lang="en-US" sz="1100">
               <a:latin typeface="Calibri" panose="020F0502020204030204" pitchFamily="34" charset="0"/>
               <a:cs typeface="Times New Roman" panose="02020603050405020304" pitchFamily="18" charset="0"/>
             </a:endParaRPr>
@@ -6850,7 +6833,7 @@
           <a:lstStyle/>
           <a:p>
             <a:r>
-              <a:rPr lang="en-US" sz="5400" b="1" dirty="0"/>
+              <a:rPr lang="en-US" sz="5400" b="1"/>
               <a:t>Q &amp; A</a:t>
             </a:r>
           </a:p>
@@ -6913,7 +6896,7 @@
           <a:lstStyle/>
           <a:p>
             <a:r>
-              <a:rPr lang="en-US" sz="5400" b="1" dirty="0"/>
+              <a:rPr lang="en-US" sz="5400" b="1"/>
               <a:t>THANK YOU</a:t>
             </a:r>
           </a:p>
@@ -6946,7 +6929,7 @@
           <a:lstStyle/>
           <a:p>
             <a:r>
-              <a:rPr lang="en-US" dirty="0"/>
+              <a:rPr lang="en-US"/>
               <a:t>5/3/20221</a:t>
             </a:r>
           </a:p>
@@ -6982,7 +6965,7 @@
               <a:buNone/>
             </a:pPr>
             <a:r>
-              <a:rPr lang="en-US" sz="2400" dirty="0"/>
+              <a:rPr lang="en-US" sz="2400"/>
               <a:t>COVID-19 Vaccines in California and Its Impacts</a:t>
             </a:r>
           </a:p>
@@ -7191,7 +7174,7 @@
               <a:buNone/>
             </a:pPr>
             <a:r>
-              <a:rPr lang="en-US" sz="2000" u="sng" dirty="0"/>
+              <a:rPr lang="en-US" sz="2000" u="sng"/>
               <a:t>Team Members:</a:t>
             </a:r>
           </a:p>
@@ -7218,7 +7201,7 @@
               <a:buNone/>
             </a:pPr>
             <a:r>
-              <a:rPr lang="en-US" sz="2000" dirty="0"/>
+              <a:rPr lang="en-US" sz="2000"/>
               <a:t>Danielle Martin</a:t>
             </a:r>
             <a:endParaRPr lang="en-US"/>
@@ -7234,7 +7217,7 @@
               <a:buNone/>
             </a:pPr>
             <a:r>
-              <a:rPr lang="en-US" sz="2000" dirty="0"/>
+              <a:rPr lang="en-US" sz="2000"/>
               <a:t>Jonathan Tran</a:t>
             </a:r>
           </a:p>
@@ -7249,7 +7232,7 @@
               <a:buNone/>
             </a:pPr>
             <a:r>
-              <a:rPr lang="en-US" sz="2000" dirty="0"/>
+              <a:rPr lang="en-US" sz="2000"/>
               <a:t>Scott Schneider</a:t>
             </a:r>
           </a:p>
@@ -7310,7 +7293,7 @@
               <a:rPr lang="en-US" smtClean="0"/>
               <a:t>9</a:t>
             </a:fld>
-            <a:endParaRPr lang="en-US" dirty="0"/>
+            <a:endParaRPr lang="en-US"/>
           </a:p>
         </p:txBody>
       </p:sp>
@@ -7564,7 +7547,7 @@
           </a:lstStyle>
           <a:p>
             <a:r>
-              <a:rPr lang="en-US" sz="4000" dirty="0"/>
+              <a:rPr lang="en-US" sz="4000"/>
               <a:t>Sources</a:t>
             </a:r>
           </a:p>
@@ -7586,8 +7569,8 @@
         </p:nvSpPr>
         <p:spPr>
           <a:xfrm>
-            <a:off x="387927" y="1653987"/>
-            <a:ext cx="6770255" cy="4506181"/>
+            <a:off x="387927" y="1533671"/>
+            <a:ext cx="6770255" cy="4674624"/>
           </a:xfrm>
           <a:prstGeom prst="rect">
             <a:avLst/>
@@ -7595,7 +7578,7 @@
         </p:spPr>
         <p:txBody>
           <a:bodyPr vert="horz" lIns="91440" tIns="45720" rIns="91440" bIns="45720" rtlCol="0">
-            <a:normAutofit fontScale="92500" lnSpcReduction="20000"/>
+            <a:normAutofit fontScale="85000" lnSpcReduction="20000"/>
           </a:bodyPr>
           <a:lstStyle>
             <a:lvl1pPr marL="228600" indent="-228600" algn="l" defTabSz="914400" rtl="0" eaLnBrk="1" latinLnBrk="0" hangingPunct="1">
@@ -7900,7 +7883,25 @@
                 <a:latin typeface="Calibri" panose="020F0502020204030204" pitchFamily="34" charset="0"/>
                 <a:cs typeface="Times New Roman" panose="02020603050405020304" pitchFamily="18" charset="0"/>
               </a:rPr>
-              <a:t>Statewide COVID-19 Cases Deaths Tests. California Health and Human Services Open Data Portal. (2021). https://data.chhs.ca.gov/.</a:t>
+              <a:t>Statewide COVID-19 Cases Deaths Tests. California Health and Human Services Open Data Portal. (2021). </a:t>
+            </a:r>
+          </a:p>
+          <a:p>
+            <a:pPr marL="233363" lvl="1" indent="0">
+              <a:lnSpc>
+                <a:spcPct val="107000"/>
+              </a:lnSpc>
+              <a:spcBef>
+                <a:spcPts val="0"/>
+              </a:spcBef>
+              <a:buNone/>
+            </a:pPr>
+            <a:r>
+              <a:rPr lang="en-US" sz="1500" dirty="0">
+                <a:latin typeface="Calibri" panose="020F0502020204030204" pitchFamily="34" charset="0"/>
+                <a:cs typeface="Times New Roman" panose="02020603050405020304" pitchFamily="18" charset="0"/>
+              </a:rPr>
+              <a:t>https://data.chhs.ca.gov/.</a:t>
             </a:r>
           </a:p>
           <a:p>
@@ -7931,7 +7932,25 @@
                 <a:latin typeface="Calibri" panose="020F0502020204030204" pitchFamily="34" charset="0"/>
                 <a:cs typeface="Times New Roman" panose="02020603050405020304" pitchFamily="18" charset="0"/>
               </a:rPr>
-              <a:t>The United States Census Bureau. (2020, December 10). American Community Survey 5-Year Data (2009-2019). https://www.census.gov/data/developers/data-sets/acs-5year.html. Selected income characteristics for California zip </a:t>
+              <a:t>The United States Census Bureau. (2020, December 10). American Community Survey 5-Year Data (2009-2019). </a:t>
+            </a:r>
+          </a:p>
+          <a:p>
+            <a:pPr marL="233363" lvl="1" indent="0">
+              <a:lnSpc>
+                <a:spcPct val="107000"/>
+              </a:lnSpc>
+              <a:spcBef>
+                <a:spcPts val="0"/>
+              </a:spcBef>
+              <a:buNone/>
+            </a:pPr>
+            <a:r>
+              <a:rPr lang="en-US" sz="1500" dirty="0">
+                <a:latin typeface="Calibri" panose="020F0502020204030204" pitchFamily="34" charset="0"/>
+                <a:cs typeface="Times New Roman" panose="02020603050405020304" pitchFamily="18" charset="0"/>
+              </a:rPr>
+              <a:t>https://www.census.gov/data/developers/data-sets/acs-5year.html. Selected income characteristics for California zip </a:t>
             </a:r>
             <a:r>
               <a:rPr lang="en-US" sz="1500" dirty="0" err="1">
@@ -7976,11 +7995,60 @@
                 <a:latin typeface="Calibri" panose="020F0502020204030204" pitchFamily="34" charset="0"/>
                 <a:cs typeface="Times New Roman" panose="02020603050405020304" pitchFamily="18" charset="0"/>
               </a:rPr>
+              <a:t>The Integrated Postsecondary Education Data System. (n.d.).</a:t>
+            </a:r>
+          </a:p>
+          <a:p>
+            <a:pPr marL="233363" indent="0">
+              <a:lnSpc>
+                <a:spcPct val="107000"/>
+              </a:lnSpc>
+              <a:spcBef>
+                <a:spcPts val="0"/>
+              </a:spcBef>
+              <a:buNone/>
+            </a:pPr>
+            <a:r>
+              <a:rPr lang="en-US" sz="1500" dirty="0">
+                <a:latin typeface="Calibri" panose="020F0502020204030204" pitchFamily="34" charset="0"/>
+                <a:cs typeface="Times New Roman" panose="02020603050405020304" pitchFamily="18" charset="0"/>
+              </a:rPr>
+              <a:t>https://nces.ed.gov/ipeds/datacenter/.</a:t>
+            </a:r>
+          </a:p>
+          <a:p>
+            <a:pPr>
+              <a:lnSpc>
+                <a:spcPct val="107000"/>
+              </a:lnSpc>
+              <a:spcBef>
+                <a:spcPts val="0"/>
+              </a:spcBef>
+            </a:pPr>
+            <a:endParaRPr lang="en-US" sz="1500" dirty="0">
+              <a:latin typeface="Calibri" panose="020F0502020204030204" pitchFamily="34" charset="0"/>
+              <a:cs typeface="Times New Roman" panose="02020603050405020304" pitchFamily="18" charset="0"/>
+            </a:endParaRPr>
+          </a:p>
+          <a:p>
+            <a:pPr>
+              <a:lnSpc>
+                <a:spcPct val="107000"/>
+              </a:lnSpc>
+              <a:spcBef>
+                <a:spcPts val="0"/>
+              </a:spcBef>
+            </a:pPr>
+            <a:r>
+              <a:rPr lang="en-US" sz="1500" dirty="0">
+                <a:latin typeface="Calibri" panose="020F0502020204030204" pitchFamily="34" charset="0"/>
+                <a:cs typeface="Times New Roman" panose="02020603050405020304" pitchFamily="18" charset="0"/>
+              </a:rPr>
               <a:t>COVID-19 graphic:</a:t>
             </a:r>
           </a:p>
           <a:p>
-            <a:pPr marL="457200" lvl="1" indent="0">
+            <a:pPr marL="233363" lvl="1" indent="0">
               <a:lnSpc>
                 <a:spcPct val="107000"/>
               </a:lnSpc>
@@ -8924,6 +8992,15 @@
 </file>
 
 <file path=customXml/item1.xml><?xml version="1.0" encoding="utf-8"?>
+<p:properties xmlns:p="http://schemas.microsoft.com/office/2006/metadata/properties" xmlns:xsi="http://www.w3.org/2001/XMLSchema-instance" xmlns:pc="http://schemas.microsoft.com/office/infopath/2007/PartnerControls">
+  <documentManagement>
+    <Status xmlns="71af3243-3dd4-4a8d-8c0d-dd76da1f02a5">Not started</Status>
+    <MediaServiceKeyPoints xmlns="71af3243-3dd4-4a8d-8c0d-dd76da1f02a5" xsi:nil="true"/>
+  </documentManagement>
+</p:properties>
+</file>
+
+<file path=customXml/item2.xml><?xml version="1.0" encoding="utf-8"?>
 <ct:contentTypeSchema xmlns:ct="http://schemas.microsoft.com/office/2006/metadata/contentType" xmlns:ma="http://schemas.microsoft.com/office/2006/metadata/properties/metaAttributes" ct:_="" ma:_="" ma:contentTypeName="Document" ma:contentTypeID="0x01010079F111ED35F8CC479449609E8A0923A6" ma:contentTypeVersion="12" ma:contentTypeDescription="Create a new document." ma:contentTypeScope="" ma:versionID="426e97fa315356fffbdcd9876fe988c2">
   <xsd:schema xmlns:xsd="http://www.w3.org/2001/XMLSchema" xmlns:xs="http://www.w3.org/2001/XMLSchema" xmlns:p="http://schemas.microsoft.com/office/2006/metadata/properties" xmlns:ns2="71af3243-3dd4-4a8d-8c0d-dd76da1f02a5" xmlns:ns3="16c05727-aa75-4e4a-9b5f-8a80a1165891" targetNamespace="http://schemas.microsoft.com/office/2006/metadata/properties" ma:root="true" ma:fieldsID="14b8f0def80e6d70ce3def20c90759ae" ns2:_="" ns3:_="">
     <xsd:import namespace="71af3243-3dd4-4a8d-8c0d-dd76da1f02a5"/>
@@ -9144,15 +9221,6 @@
 </ct:contentTypeSchema>
 </file>
 
-<file path=customXml/item2.xml><?xml version="1.0" encoding="utf-8"?>
-<p:properties xmlns:p="http://schemas.microsoft.com/office/2006/metadata/properties" xmlns:xsi="http://www.w3.org/2001/XMLSchema-instance" xmlns:pc="http://schemas.microsoft.com/office/infopath/2007/PartnerControls">
-  <documentManagement>
-    <Status xmlns="71af3243-3dd4-4a8d-8c0d-dd76da1f02a5">Not started</Status>
-    <MediaServiceKeyPoints xmlns="71af3243-3dd4-4a8d-8c0d-dd76da1f02a5" xsi:nil="true"/>
-  </documentManagement>
-</p:properties>
-</file>
-
 <file path=customXml/item3.xml><?xml version="1.0" encoding="utf-8"?>
 <?mso-contentType ?>
 <FormTemplates xmlns="http://schemas.microsoft.com/sharepoint/v3/contenttype/forms">
@@ -9163,6 +9231,16 @@
 </file>
 
 <file path=customXml/itemProps1.xml><?xml version="1.0" encoding="utf-8"?>
+<ds:datastoreItem xmlns:ds="http://schemas.openxmlformats.org/officeDocument/2006/customXml" ds:itemID="{E3D9F223-918A-45AF-9B53-56AB9E5E2182}">
+  <ds:schemaRefs>
+    <ds:schemaRef ds:uri="71af3243-3dd4-4a8d-8c0d-dd76da1f02a5"/>
+    <ds:schemaRef ds:uri="http://schemas.microsoft.com/office/2006/metadata/properties"/>
+    <ds:schemaRef ds:uri="http://schemas.microsoft.com/office/infopath/2007/PartnerControls"/>
+  </ds:schemaRefs>
+</ds:datastoreItem>
+</file>
+
+<file path=customXml/itemProps2.xml><?xml version="1.0" encoding="utf-8"?>
 <ds:datastoreItem xmlns:ds="http://schemas.openxmlformats.org/officeDocument/2006/customXml" ds:itemID="{55BB9993-D5F9-46FA-B2E5-80E3632E9820}">
   <ds:schemaRefs>
     <ds:schemaRef ds:uri="16c05727-aa75-4e4a-9b5f-8a80a1165891"/>
@@ -9181,16 +9259,6 @@
 </ds:datastoreItem>
 </file>
 
-<file path=customXml/itemProps2.xml><?xml version="1.0" encoding="utf-8"?>
-<ds:datastoreItem xmlns:ds="http://schemas.openxmlformats.org/officeDocument/2006/customXml" ds:itemID="{E3D9F223-918A-45AF-9B53-56AB9E5E2182}">
-  <ds:schemaRefs>
-    <ds:schemaRef ds:uri="71af3243-3dd4-4a8d-8c0d-dd76da1f02a5"/>
-    <ds:schemaRef ds:uri="http://schemas.microsoft.com/office/2006/metadata/properties"/>
-    <ds:schemaRef ds:uri="http://schemas.microsoft.com/office/infopath/2007/PartnerControls"/>
-  </ds:schemaRefs>
-</ds:datastoreItem>
-</file>
-
 <file path=customXml/itemProps3.xml><?xml version="1.0" encoding="utf-8"?>
 <ds:datastoreItem xmlns:ds="http://schemas.openxmlformats.org/officeDocument/2006/customXml" ds:itemID="{1B7E2D32-4FDD-4266-880C-17595B801432}">
   <ds:schemaRefs>
